--- a/Documentation/Solar controller.pptx
+++ b/Documentation/Solar controller.pptx
@@ -7,12 +7,13 @@
   <p:sldIdLst>
     <p:sldId id="256" r:id="rId2"/>
     <p:sldId id="257" r:id="rId3"/>
-    <p:sldId id="260" r:id="rId4"/>
-    <p:sldId id="263" r:id="rId5"/>
-    <p:sldId id="258" r:id="rId6"/>
-    <p:sldId id="264" r:id="rId7"/>
-    <p:sldId id="262" r:id="rId8"/>
-    <p:sldId id="261" r:id="rId9"/>
+    <p:sldId id="265" r:id="rId4"/>
+    <p:sldId id="260" r:id="rId5"/>
+    <p:sldId id="263" r:id="rId6"/>
+    <p:sldId id="258" r:id="rId7"/>
+    <p:sldId id="264" r:id="rId8"/>
+    <p:sldId id="262" r:id="rId9"/>
+    <p:sldId id="261" r:id="rId10"/>
   </p:sldIdLst>
   <p:sldSz cx="12192000" cy="6858000"/>
   <p:notesSz cx="6858000" cy="9144000"/>
@@ -169,7 +170,7 @@
           <a:noFill/>
           <a:extLst>
             <a:ext uri="{909E8E84-426E-40dd-AFC4-6F175D3DCCD1}">
-              <a14:hiddenFill xmlns:a14="http://schemas.microsoft.com/office/drawing/2010/main" xmlns="">
+              <a14:hiddenFill xmlns="" xmlns:a14="http://schemas.microsoft.com/office/drawing/2010/main">
                 <a:solidFill>
                   <a:srgbClr val="FFFFFF"/>
                 </a:solidFill>
@@ -229,7 +230,7 @@
             </a:ln>
             <a:extLst>
               <a:ext uri="{91240B29-F687-4f45-9708-019B960494DF}">
-                <a14:hiddenLine xmlns:a14="http://schemas.microsoft.com/office/drawing/2010/main" xmlns="" w="9525">
+                <a14:hiddenLine xmlns="" xmlns:a14="http://schemas.microsoft.com/office/drawing/2010/main" w="9525">
                   <a:solidFill>
                     <a:srgbClr val="000000"/>
                   </a:solidFill>
@@ -319,7 +320,7 @@
             </a:ln>
             <a:extLst>
               <a:ext uri="{91240B29-F687-4f45-9708-019B960494DF}">
-                <a14:hiddenLine xmlns:a14="http://schemas.microsoft.com/office/drawing/2010/main" xmlns="" w="9525">
+                <a14:hiddenLine xmlns="" xmlns:a14="http://schemas.microsoft.com/office/drawing/2010/main" w="9525">
                   <a:solidFill>
                     <a:srgbClr val="000000"/>
                   </a:solidFill>
@@ -409,7 +410,7 @@
             </a:ln>
             <a:extLst>
               <a:ext uri="{91240B29-F687-4f45-9708-019B960494DF}">
-                <a14:hiddenLine xmlns:a14="http://schemas.microsoft.com/office/drawing/2010/main" xmlns="" w="9525">
+                <a14:hiddenLine xmlns="" xmlns:a14="http://schemas.microsoft.com/office/drawing/2010/main" w="9525">
                   <a:solidFill>
                     <a:srgbClr val="000000"/>
                   </a:solidFill>
@@ -443,7 +444,7 @@
             </a:ln>
             <a:extLst>
               <a:ext uri="{91240B29-F687-4f45-9708-019B960494DF}">
-                <a14:hiddenLine xmlns:a14="http://schemas.microsoft.com/office/drawing/2010/main" xmlns="" w="9525">
+                <a14:hiddenLine xmlns="" xmlns:a14="http://schemas.microsoft.com/office/drawing/2010/main" w="9525">
                   <a:solidFill>
                     <a:srgbClr val="000000"/>
                   </a:solidFill>
@@ -533,7 +534,7 @@
             </a:ln>
             <a:extLst>
               <a:ext uri="{91240B29-F687-4f45-9708-019B960494DF}">
-                <a14:hiddenLine xmlns:a14="http://schemas.microsoft.com/office/drawing/2010/main" xmlns="" w="9525">
+                <a14:hiddenLine xmlns="" xmlns:a14="http://schemas.microsoft.com/office/drawing/2010/main" w="9525">
                   <a:solidFill>
                     <a:srgbClr val="000000"/>
                   </a:solidFill>
@@ -595,7 +596,7 @@
             </a:ln>
             <a:extLst>
               <a:ext uri="{91240B29-F687-4f45-9708-019B960494DF}">
-                <a14:hiddenLine xmlns:a14="http://schemas.microsoft.com/office/drawing/2010/main" xmlns="" w="9525">
+                <a14:hiddenLine xmlns="" xmlns:a14="http://schemas.microsoft.com/office/drawing/2010/main" w="9525">
                   <a:solidFill>
                     <a:srgbClr val="000000"/>
                   </a:solidFill>
@@ -657,7 +658,7 @@
             </a:ln>
             <a:extLst>
               <a:ext uri="{91240B29-F687-4f45-9708-019B960494DF}">
-                <a14:hiddenLine xmlns:a14="http://schemas.microsoft.com/office/drawing/2010/main" xmlns="" w="9525">
+                <a14:hiddenLine xmlns="" xmlns:a14="http://schemas.microsoft.com/office/drawing/2010/main" w="9525">
                   <a:solidFill>
                     <a:srgbClr val="000000"/>
                   </a:solidFill>
@@ -747,7 +748,7 @@
             </a:ln>
             <a:extLst>
               <a:ext uri="{91240B29-F687-4f45-9708-019B960494DF}">
-                <a14:hiddenLine xmlns:a14="http://schemas.microsoft.com/office/drawing/2010/main" xmlns="" w="9525">
+                <a14:hiddenLine xmlns="" xmlns:a14="http://schemas.microsoft.com/office/drawing/2010/main" w="9525">
                   <a:solidFill>
                     <a:srgbClr val="000000"/>
                   </a:solidFill>
@@ -809,7 +810,7 @@
             </a:ln>
             <a:extLst>
               <a:ext uri="{91240B29-F687-4f45-9708-019B960494DF}">
-                <a14:hiddenLine xmlns:a14="http://schemas.microsoft.com/office/drawing/2010/main" xmlns="" w="9525">
+                <a14:hiddenLine xmlns="" xmlns:a14="http://schemas.microsoft.com/office/drawing/2010/main" w="9525">
                   <a:solidFill>
                     <a:srgbClr val="000000"/>
                   </a:solidFill>
@@ -871,7 +872,7 @@
             </a:ln>
             <a:extLst>
               <a:ext uri="{91240B29-F687-4f45-9708-019B960494DF}">
-                <a14:hiddenLine xmlns:a14="http://schemas.microsoft.com/office/drawing/2010/main" xmlns="" w="9525">
+                <a14:hiddenLine xmlns="" xmlns:a14="http://schemas.microsoft.com/office/drawing/2010/main" w="9525">
                   <a:solidFill>
                     <a:srgbClr val="000000"/>
                   </a:solidFill>
@@ -961,7 +962,7 @@
             </a:ln>
             <a:extLst>
               <a:ext uri="{91240B29-F687-4f45-9708-019B960494DF}">
-                <a14:hiddenLine xmlns:a14="http://schemas.microsoft.com/office/drawing/2010/main" xmlns="" w="9525">
+                <a14:hiddenLine xmlns="" xmlns:a14="http://schemas.microsoft.com/office/drawing/2010/main" w="9525">
                   <a:solidFill>
                     <a:srgbClr val="000000"/>
                   </a:solidFill>
@@ -1051,7 +1052,7 @@
             </a:ln>
             <a:extLst>
               <a:ext uri="{91240B29-F687-4f45-9708-019B960494DF}">
-                <a14:hiddenLine xmlns:a14="http://schemas.microsoft.com/office/drawing/2010/main" xmlns="" w="9525">
+                <a14:hiddenLine xmlns="" xmlns:a14="http://schemas.microsoft.com/office/drawing/2010/main" w="9525">
                   <a:solidFill>
                     <a:srgbClr val="000000"/>
                   </a:solidFill>
@@ -1113,7 +1114,7 @@
             </a:ln>
             <a:extLst>
               <a:ext uri="{91240B29-F687-4f45-9708-019B960494DF}">
-                <a14:hiddenLine xmlns:a14="http://schemas.microsoft.com/office/drawing/2010/main" xmlns="" w="9525">
+                <a14:hiddenLine xmlns="" xmlns:a14="http://schemas.microsoft.com/office/drawing/2010/main" w="9525">
                   <a:solidFill>
                     <a:srgbClr val="000000"/>
                   </a:solidFill>
@@ -1223,7 +1224,7 @@
             </a:ln>
             <a:extLst>
               <a:ext uri="{91240B29-F687-4f45-9708-019B960494DF}">
-                <a14:hiddenLine xmlns:a14="http://schemas.microsoft.com/office/drawing/2010/main" xmlns="" w="9525">
+                <a14:hiddenLine xmlns="" xmlns:a14="http://schemas.microsoft.com/office/drawing/2010/main" w="9525">
                   <a:solidFill>
                     <a:srgbClr val="000000"/>
                   </a:solidFill>
@@ -1285,7 +1286,7 @@
             </a:ln>
             <a:extLst>
               <a:ext uri="{91240B29-F687-4f45-9708-019B960494DF}">
-                <a14:hiddenLine xmlns:a14="http://schemas.microsoft.com/office/drawing/2010/main" xmlns="" w="9525">
+                <a14:hiddenLine xmlns="" xmlns:a14="http://schemas.microsoft.com/office/drawing/2010/main" w="9525">
                   <a:solidFill>
                     <a:srgbClr val="000000"/>
                   </a:solidFill>
@@ -1375,7 +1376,7 @@
             </a:ln>
             <a:extLst>
               <a:ext uri="{91240B29-F687-4f45-9708-019B960494DF}">
-                <a14:hiddenLine xmlns:a14="http://schemas.microsoft.com/office/drawing/2010/main" xmlns="" w="9525">
+                <a14:hiddenLine xmlns="" xmlns:a14="http://schemas.microsoft.com/office/drawing/2010/main" w="9525">
                   <a:solidFill>
                     <a:srgbClr val="000000"/>
                   </a:solidFill>
@@ -1465,7 +1466,7 @@
             </a:ln>
             <a:extLst>
               <a:ext uri="{91240B29-F687-4f45-9708-019B960494DF}">
-                <a14:hiddenLine xmlns:a14="http://schemas.microsoft.com/office/drawing/2010/main" xmlns="" w="9525">
+                <a14:hiddenLine xmlns="" xmlns:a14="http://schemas.microsoft.com/office/drawing/2010/main" w="9525">
                   <a:solidFill>
                     <a:srgbClr val="000000"/>
                   </a:solidFill>
@@ -1527,7 +1528,7 @@
             </a:ln>
             <a:extLst>
               <a:ext uri="{91240B29-F687-4f45-9708-019B960494DF}">
-                <a14:hiddenLine xmlns:a14="http://schemas.microsoft.com/office/drawing/2010/main" xmlns="" w="9525">
+                <a14:hiddenLine xmlns="" xmlns:a14="http://schemas.microsoft.com/office/drawing/2010/main" w="9525">
                   <a:solidFill>
                     <a:srgbClr val="000000"/>
                   </a:solidFill>
@@ -1617,7 +1618,7 @@
             </a:ln>
             <a:extLst>
               <a:ext uri="{91240B29-F687-4f45-9708-019B960494DF}">
-                <a14:hiddenLine xmlns:a14="http://schemas.microsoft.com/office/drawing/2010/main" xmlns="" w="9525">
+                <a14:hiddenLine xmlns="" xmlns:a14="http://schemas.microsoft.com/office/drawing/2010/main" w="9525">
                   <a:solidFill>
                     <a:srgbClr val="000000"/>
                   </a:solidFill>
@@ -1707,7 +1708,7 @@
             </a:ln>
             <a:extLst>
               <a:ext uri="{91240B29-F687-4f45-9708-019B960494DF}">
-                <a14:hiddenLine xmlns:a14="http://schemas.microsoft.com/office/drawing/2010/main" xmlns="" w="9525">
+                <a14:hiddenLine xmlns="" xmlns:a14="http://schemas.microsoft.com/office/drawing/2010/main" w="9525">
                   <a:solidFill>
                     <a:srgbClr val="000000"/>
                   </a:solidFill>
@@ -1763,7 +1764,7 @@
             </a:ln>
             <a:extLst>
               <a:ext uri="{91240B29-F687-4f45-9708-019B960494DF}">
-                <a14:hiddenLine xmlns:a14="http://schemas.microsoft.com/office/drawing/2010/main" xmlns="" w="9525">
+                <a14:hiddenLine xmlns="" xmlns:a14="http://schemas.microsoft.com/office/drawing/2010/main" w="9525">
                   <a:solidFill>
                     <a:srgbClr val="000000"/>
                   </a:solidFill>
@@ -1853,7 +1854,7 @@
             </a:ln>
             <a:extLst>
               <a:ext uri="{91240B29-F687-4f45-9708-019B960494DF}">
-                <a14:hiddenLine xmlns:a14="http://schemas.microsoft.com/office/drawing/2010/main" xmlns="" w="9525">
+                <a14:hiddenLine xmlns="" xmlns:a14="http://schemas.microsoft.com/office/drawing/2010/main" w="9525">
                   <a:solidFill>
                     <a:srgbClr val="000000"/>
                   </a:solidFill>
@@ -1909,7 +1910,7 @@
             </a:ln>
             <a:extLst>
               <a:ext uri="{91240B29-F687-4f45-9708-019B960494DF}">
-                <a14:hiddenLine xmlns:a14="http://schemas.microsoft.com/office/drawing/2010/main" xmlns="" w="9525">
+                <a14:hiddenLine xmlns="" xmlns:a14="http://schemas.microsoft.com/office/drawing/2010/main" w="9525">
                   <a:solidFill>
                     <a:srgbClr val="000000"/>
                   </a:solidFill>
@@ -1999,7 +2000,7 @@
             </a:ln>
             <a:extLst>
               <a:ext uri="{91240B29-F687-4f45-9708-019B960494DF}">
-                <a14:hiddenLine xmlns:a14="http://schemas.microsoft.com/office/drawing/2010/main" xmlns="" w="9525">
+                <a14:hiddenLine xmlns="" xmlns:a14="http://schemas.microsoft.com/office/drawing/2010/main" w="9525">
                   <a:solidFill>
                     <a:srgbClr val="000000"/>
                   </a:solidFill>
@@ -2067,7 +2068,7 @@
             </a:ln>
             <a:extLst>
               <a:ext uri="{91240B29-F687-4f45-9708-019B960494DF}">
-                <a14:hiddenLine xmlns:a14="http://schemas.microsoft.com/office/drawing/2010/main" xmlns="" w="9525">
+                <a14:hiddenLine xmlns="" xmlns:a14="http://schemas.microsoft.com/office/drawing/2010/main" w="9525">
                   <a:solidFill>
                     <a:srgbClr val="000000"/>
                   </a:solidFill>
@@ -2157,7 +2158,7 @@
             </a:ln>
             <a:extLst>
               <a:ext uri="{91240B29-F687-4f45-9708-019B960494DF}">
-                <a14:hiddenLine xmlns:a14="http://schemas.microsoft.com/office/drawing/2010/main" xmlns="" w="9525">
+                <a14:hiddenLine xmlns="" xmlns:a14="http://schemas.microsoft.com/office/drawing/2010/main" w="9525">
                   <a:solidFill>
                     <a:srgbClr val="000000"/>
                   </a:solidFill>
@@ -2225,7 +2226,7 @@
             </a:ln>
             <a:extLst>
               <a:ext uri="{91240B29-F687-4f45-9708-019B960494DF}">
-                <a14:hiddenLine xmlns:a14="http://schemas.microsoft.com/office/drawing/2010/main" xmlns="" w="9525">
+                <a14:hiddenLine xmlns="" xmlns:a14="http://schemas.microsoft.com/office/drawing/2010/main" w="9525">
                   <a:solidFill>
                     <a:srgbClr val="000000"/>
                   </a:solidFill>
@@ -2315,7 +2316,7 @@
             </a:ln>
             <a:extLst>
               <a:ext uri="{91240B29-F687-4f45-9708-019B960494DF}">
-                <a14:hiddenLine xmlns:a14="http://schemas.microsoft.com/office/drawing/2010/main" xmlns="" w="9525">
+                <a14:hiddenLine xmlns="" xmlns:a14="http://schemas.microsoft.com/office/drawing/2010/main" w="9525">
                   <a:solidFill>
                     <a:srgbClr val="000000"/>
                   </a:solidFill>
@@ -2349,7 +2350,7 @@
             </a:ln>
             <a:extLst>
               <a:ext uri="{91240B29-F687-4f45-9708-019B960494DF}">
-                <a14:hiddenLine xmlns:a14="http://schemas.microsoft.com/office/drawing/2010/main" xmlns="" w="9525">
+                <a14:hiddenLine xmlns="" xmlns:a14="http://schemas.microsoft.com/office/drawing/2010/main" w="9525">
                   <a:solidFill>
                     <a:srgbClr val="000000"/>
                   </a:solidFill>
@@ -2439,7 +2440,7 @@
             </a:ln>
             <a:extLst>
               <a:ext uri="{91240B29-F687-4f45-9708-019B960494DF}">
-                <a14:hiddenLine xmlns:a14="http://schemas.microsoft.com/office/drawing/2010/main" xmlns="" w="9525">
+                <a14:hiddenLine xmlns="" xmlns:a14="http://schemas.microsoft.com/office/drawing/2010/main" w="9525">
                   <a:solidFill>
                     <a:srgbClr val="000000"/>
                   </a:solidFill>
@@ -2501,7 +2502,7 @@
             </a:ln>
             <a:extLst>
               <a:ext uri="{91240B29-F687-4f45-9708-019B960494DF}">
-                <a14:hiddenLine xmlns:a14="http://schemas.microsoft.com/office/drawing/2010/main" xmlns="" w="9525">
+                <a14:hiddenLine xmlns="" xmlns:a14="http://schemas.microsoft.com/office/drawing/2010/main" w="9525">
                   <a:solidFill>
                     <a:srgbClr val="000000"/>
                   </a:solidFill>
@@ -2563,7 +2564,7 @@
             </a:ln>
             <a:extLst>
               <a:ext uri="{91240B29-F687-4f45-9708-019B960494DF}">
-                <a14:hiddenLine xmlns:a14="http://schemas.microsoft.com/office/drawing/2010/main" xmlns="" w="9525">
+                <a14:hiddenLine xmlns="" xmlns:a14="http://schemas.microsoft.com/office/drawing/2010/main" w="9525">
                   <a:solidFill>
                     <a:srgbClr val="000000"/>
                   </a:solidFill>
@@ -2653,7 +2654,7 @@
             </a:ln>
             <a:extLst>
               <a:ext uri="{91240B29-F687-4f45-9708-019B960494DF}">
-                <a14:hiddenLine xmlns:a14="http://schemas.microsoft.com/office/drawing/2010/main" xmlns="" w="9525">
+                <a14:hiddenLine xmlns="" xmlns:a14="http://schemas.microsoft.com/office/drawing/2010/main" w="9525">
                   <a:solidFill>
                     <a:srgbClr val="000000"/>
                   </a:solidFill>
@@ -2721,7 +2722,7 @@
             </a:ln>
             <a:extLst>
               <a:ext uri="{91240B29-F687-4f45-9708-019B960494DF}">
-                <a14:hiddenLine xmlns:a14="http://schemas.microsoft.com/office/drawing/2010/main" xmlns="" w="9525">
+                <a14:hiddenLine xmlns="" xmlns:a14="http://schemas.microsoft.com/office/drawing/2010/main" w="9525">
                   <a:solidFill>
                     <a:srgbClr val="000000"/>
                   </a:solidFill>
@@ -2783,7 +2784,7 @@
             </a:ln>
             <a:extLst>
               <a:ext uri="{91240B29-F687-4f45-9708-019B960494DF}">
-                <a14:hiddenLine xmlns:a14="http://schemas.microsoft.com/office/drawing/2010/main" xmlns="" w="9525">
+                <a14:hiddenLine xmlns="" xmlns:a14="http://schemas.microsoft.com/office/drawing/2010/main" w="9525">
                   <a:solidFill>
                     <a:srgbClr val="000000"/>
                   </a:solidFill>
@@ -2873,7 +2874,7 @@
             </a:ln>
             <a:extLst>
               <a:ext uri="{91240B29-F687-4f45-9708-019B960494DF}">
-                <a14:hiddenLine xmlns:a14="http://schemas.microsoft.com/office/drawing/2010/main" xmlns="" w="9525">
+                <a14:hiddenLine xmlns="" xmlns:a14="http://schemas.microsoft.com/office/drawing/2010/main" w="9525">
                   <a:solidFill>
                     <a:srgbClr val="000000"/>
                   </a:solidFill>
@@ -2935,7 +2936,7 @@
             </a:ln>
             <a:extLst>
               <a:ext uri="{91240B29-F687-4f45-9708-019B960494DF}">
-                <a14:hiddenLine xmlns:a14="http://schemas.microsoft.com/office/drawing/2010/main" xmlns="" w="9525">
+                <a14:hiddenLine xmlns="" xmlns:a14="http://schemas.microsoft.com/office/drawing/2010/main" w="9525">
                   <a:solidFill>
                     <a:srgbClr val="000000"/>
                   </a:solidFill>
@@ -3025,7 +3026,7 @@
             </a:ln>
             <a:extLst>
               <a:ext uri="{91240B29-F687-4f45-9708-019B960494DF}">
-                <a14:hiddenLine xmlns:a14="http://schemas.microsoft.com/office/drawing/2010/main" xmlns="" w="9525">
+                <a14:hiddenLine xmlns="" xmlns:a14="http://schemas.microsoft.com/office/drawing/2010/main" w="9525">
                   <a:solidFill>
                     <a:srgbClr val="000000"/>
                   </a:solidFill>
@@ -3087,7 +3088,7 @@
             </a:ln>
             <a:extLst>
               <a:ext uri="{91240B29-F687-4f45-9708-019B960494DF}">
-                <a14:hiddenLine xmlns:a14="http://schemas.microsoft.com/office/drawing/2010/main" xmlns="" w="9525">
+                <a14:hiddenLine xmlns="" xmlns:a14="http://schemas.microsoft.com/office/drawing/2010/main" w="9525">
                   <a:solidFill>
                     <a:srgbClr val="000000"/>
                   </a:solidFill>
@@ -3177,7 +3178,7 @@
             </a:ln>
             <a:extLst>
               <a:ext uri="{91240B29-F687-4f45-9708-019B960494DF}">
-                <a14:hiddenLine xmlns:a14="http://schemas.microsoft.com/office/drawing/2010/main" xmlns="" w="9525">
+                <a14:hiddenLine xmlns="" xmlns:a14="http://schemas.microsoft.com/office/drawing/2010/main" w="9525">
                   <a:solidFill>
                     <a:srgbClr val="000000"/>
                   </a:solidFill>
@@ -3211,7 +3212,7 @@
             </a:ln>
             <a:extLst>
               <a:ext uri="{91240B29-F687-4f45-9708-019B960494DF}">
-                <a14:hiddenLine xmlns:a14="http://schemas.microsoft.com/office/drawing/2010/main" xmlns="" w="9525">
+                <a14:hiddenLine xmlns="" xmlns:a14="http://schemas.microsoft.com/office/drawing/2010/main" w="9525">
                   <a:solidFill>
                     <a:srgbClr val="000000"/>
                   </a:solidFill>
@@ -3276,7 +3277,7 @@
             </a:ln>
             <a:extLst>
               <a:ext uri="{91240B29-F687-4f45-9708-019B960494DF}">
-                <a14:hiddenLine xmlns:a14="http://schemas.microsoft.com/office/drawing/2010/main" xmlns="" w="9525">
+                <a14:hiddenLine xmlns="" xmlns:a14="http://schemas.microsoft.com/office/drawing/2010/main" w="9525">
                   <a:solidFill>
                     <a:srgbClr val="000000"/>
                   </a:solidFill>
@@ -3366,7 +3367,7 @@
             </a:ln>
             <a:extLst>
               <a:ext uri="{91240B29-F687-4f45-9708-019B960494DF}">
-                <a14:hiddenLine xmlns:a14="http://schemas.microsoft.com/office/drawing/2010/main" xmlns="" w="9525">
+                <a14:hiddenLine xmlns="" xmlns:a14="http://schemas.microsoft.com/office/drawing/2010/main" w="9525">
                   <a:solidFill>
                     <a:srgbClr val="000000"/>
                   </a:solidFill>
@@ -3428,7 +3429,7 @@
             </a:ln>
             <a:extLst>
               <a:ext uri="{91240B29-F687-4f45-9708-019B960494DF}">
-                <a14:hiddenLine xmlns:a14="http://schemas.microsoft.com/office/drawing/2010/main" xmlns="" w="9525">
+                <a14:hiddenLine xmlns="" xmlns:a14="http://schemas.microsoft.com/office/drawing/2010/main" w="9525">
                   <a:solidFill>
                     <a:srgbClr val="000000"/>
                   </a:solidFill>
@@ -3518,7 +3519,7 @@
             </a:ln>
             <a:extLst>
               <a:ext uri="{91240B29-F687-4f45-9708-019B960494DF}">
-                <a14:hiddenLine xmlns:a14="http://schemas.microsoft.com/office/drawing/2010/main" xmlns="" w="9525">
+                <a14:hiddenLine xmlns="" xmlns:a14="http://schemas.microsoft.com/office/drawing/2010/main" w="9525">
                   <a:solidFill>
                     <a:srgbClr val="000000"/>
                   </a:solidFill>
@@ -3608,7 +3609,7 @@
             </a:ln>
             <a:extLst>
               <a:ext uri="{91240B29-F687-4f45-9708-019B960494DF}">
-                <a14:hiddenLine xmlns:a14="http://schemas.microsoft.com/office/drawing/2010/main" xmlns="" w="9525">
+                <a14:hiddenLine xmlns="" xmlns:a14="http://schemas.microsoft.com/office/drawing/2010/main" w="9525">
                   <a:solidFill>
                     <a:srgbClr val="000000"/>
                   </a:solidFill>
@@ -3673,7 +3674,7 @@
             </a:ln>
             <a:extLst>
               <a:ext uri="{91240B29-F687-4f45-9708-019B960494DF}">
-                <a14:hiddenLine xmlns:a14="http://schemas.microsoft.com/office/drawing/2010/main" xmlns="" w="9525">
+                <a14:hiddenLine xmlns="" xmlns:a14="http://schemas.microsoft.com/office/drawing/2010/main" w="9525">
                   <a:solidFill>
                     <a:srgbClr val="000000"/>
                   </a:solidFill>
@@ -3735,7 +3736,7 @@
             </a:ln>
             <a:extLst>
               <a:ext uri="{91240B29-F687-4f45-9708-019B960494DF}">
-                <a14:hiddenLine xmlns:a14="http://schemas.microsoft.com/office/drawing/2010/main" xmlns="" w="9525">
+                <a14:hiddenLine xmlns="" xmlns:a14="http://schemas.microsoft.com/office/drawing/2010/main" w="9525">
                   <a:solidFill>
                     <a:srgbClr val="000000"/>
                   </a:solidFill>
@@ -3825,7 +3826,7 @@
             </a:ln>
             <a:extLst>
               <a:ext uri="{91240B29-F687-4f45-9708-019B960494DF}">
-                <a14:hiddenLine xmlns:a14="http://schemas.microsoft.com/office/drawing/2010/main" xmlns="" w="9525">
+                <a14:hiddenLine xmlns="" xmlns:a14="http://schemas.microsoft.com/office/drawing/2010/main" w="9525">
                   <a:solidFill>
                     <a:srgbClr val="000000"/>
                   </a:solidFill>
@@ -3915,7 +3916,7 @@
             </a:ln>
             <a:extLst>
               <a:ext uri="{91240B29-F687-4f45-9708-019B960494DF}">
-                <a14:hiddenLine xmlns:a14="http://schemas.microsoft.com/office/drawing/2010/main" xmlns="" w="9525">
+                <a14:hiddenLine xmlns="" xmlns:a14="http://schemas.microsoft.com/office/drawing/2010/main" w="9525">
                   <a:solidFill>
                     <a:srgbClr val="000000"/>
                   </a:solidFill>
@@ -3977,7 +3978,7 @@
             </a:ln>
             <a:extLst>
               <a:ext uri="{91240B29-F687-4f45-9708-019B960494DF}">
-                <a14:hiddenLine xmlns:a14="http://schemas.microsoft.com/office/drawing/2010/main" xmlns="" w="9525">
+                <a14:hiddenLine xmlns="" xmlns:a14="http://schemas.microsoft.com/office/drawing/2010/main" w="9525">
                   <a:solidFill>
                     <a:srgbClr val="000000"/>
                   </a:solidFill>
@@ -4097,7 +4098,7 @@
             </a:ln>
             <a:extLst>
               <a:ext uri="{91240B29-F687-4f45-9708-019B960494DF}">
-                <a14:hiddenLine xmlns:a14="http://schemas.microsoft.com/office/drawing/2010/main" xmlns="" w="9525">
+                <a14:hiddenLine xmlns="" xmlns:a14="http://schemas.microsoft.com/office/drawing/2010/main" w="9525">
                   <a:solidFill>
                     <a:srgbClr val="000000"/>
                   </a:solidFill>
@@ -4165,7 +4166,7 @@
             </a:ln>
             <a:extLst>
               <a:ext uri="{91240B29-F687-4f45-9708-019B960494DF}">
-                <a14:hiddenLine xmlns:a14="http://schemas.microsoft.com/office/drawing/2010/main" xmlns="" w="9525">
+                <a14:hiddenLine xmlns="" xmlns:a14="http://schemas.microsoft.com/office/drawing/2010/main" w="9525">
                   <a:solidFill>
                     <a:srgbClr val="000000"/>
                   </a:solidFill>
@@ -4255,7 +4256,7 @@
             </a:ln>
             <a:extLst>
               <a:ext uri="{91240B29-F687-4f45-9708-019B960494DF}">
-                <a14:hiddenLine xmlns:a14="http://schemas.microsoft.com/office/drawing/2010/main" xmlns="" w="9525">
+                <a14:hiddenLine xmlns="" xmlns:a14="http://schemas.microsoft.com/office/drawing/2010/main" w="9525">
                   <a:solidFill>
                     <a:srgbClr val="000000"/>
                   </a:solidFill>
@@ -4395,7 +4396,7 @@
           <a:p>
             <a:fld id="{48A87A34-81AB-432B-8DAE-1953F412C126}" type="datetimeFigureOut">
               <a:rPr lang="en-US" dirty="0"/>
-              <a:t>11/26/2019</a:t>
+              <a:t>12/3/2019</a:t>
             </a:fld>
             <a:endParaRPr lang="en-US" dirty="0"/>
           </a:p>
@@ -4657,7 +4658,7 @@
           <a:p>
             <a:fld id="{48A87A34-81AB-432B-8DAE-1953F412C126}" type="datetimeFigureOut">
               <a:rPr lang="en-US" dirty="0"/>
-              <a:t>11/26/2019</a:t>
+              <a:t>12/3/2019</a:t>
             </a:fld>
             <a:endParaRPr lang="en-US" dirty="0"/>
           </a:p>
@@ -4848,7 +4849,7 @@
           <a:p>
             <a:fld id="{48A87A34-81AB-432B-8DAE-1953F412C126}" type="datetimeFigureOut">
               <a:rPr lang="en-US" dirty="0"/>
-              <a:t>11/26/2019</a:t>
+              <a:t>12/3/2019</a:t>
             </a:fld>
             <a:endParaRPr lang="en-US" dirty="0"/>
           </a:p>
@@ -5106,7 +5107,7 @@
           <a:p>
             <a:fld id="{48A87A34-81AB-432B-8DAE-1953F412C126}" type="datetimeFigureOut">
               <a:rPr lang="en-US" dirty="0"/>
-              <a:t>11/26/2019</a:t>
+              <a:t>12/3/2019</a:t>
             </a:fld>
             <a:endParaRPr lang="en-US" dirty="0"/>
           </a:p>
@@ -5535,7 +5536,7 @@
           <a:p>
             <a:fld id="{48A87A34-81AB-432B-8DAE-1953F412C126}" type="datetimeFigureOut">
               <a:rPr lang="en-US" dirty="0"/>
-              <a:t>11/26/2019</a:t>
+              <a:t>12/3/2019</a:t>
             </a:fld>
             <a:endParaRPr lang="en-US" dirty="0"/>
           </a:p>
@@ -6076,7 +6077,7 @@
           <a:p>
             <a:fld id="{48A87A34-81AB-432B-8DAE-1953F412C126}" type="datetimeFigureOut">
               <a:rPr lang="en-US" dirty="0"/>
-              <a:t>11/26/2019</a:t>
+              <a:t>12/3/2019</a:t>
             </a:fld>
             <a:endParaRPr lang="en-US" dirty="0"/>
           </a:p>
@@ -6791,7 +6792,7 @@
           <a:p>
             <a:fld id="{48A87A34-81AB-432B-8DAE-1953F412C126}" type="datetimeFigureOut">
               <a:rPr lang="en-US" dirty="0"/>
-              <a:t>11/26/2019</a:t>
+              <a:t>12/3/2019</a:t>
             </a:fld>
             <a:endParaRPr lang="en-US" dirty="0"/>
           </a:p>
@@ -6956,7 +6957,7 @@
           <a:p>
             <a:fld id="{48A87A34-81AB-432B-8DAE-1953F412C126}" type="datetimeFigureOut">
               <a:rPr lang="en-US" dirty="0"/>
-              <a:t>11/26/2019</a:t>
+              <a:t>12/3/2019</a:t>
             </a:fld>
             <a:endParaRPr lang="en-US" dirty="0"/>
           </a:p>
@@ -7131,7 +7132,7 @@
           <a:p>
             <a:fld id="{48A87A34-81AB-432B-8DAE-1953F412C126}" type="datetimeFigureOut">
               <a:rPr lang="en-US" dirty="0"/>
-              <a:t>11/26/2019</a:t>
+              <a:t>12/3/2019</a:t>
             </a:fld>
             <a:endParaRPr lang="en-US" dirty="0"/>
           </a:p>
@@ -7296,7 +7297,7 @@
           <a:p>
             <a:fld id="{48A87A34-81AB-432B-8DAE-1953F412C126}" type="datetimeFigureOut">
               <a:rPr lang="en-US" dirty="0"/>
-              <a:t>11/26/2019</a:t>
+              <a:t>12/3/2019</a:t>
             </a:fld>
             <a:endParaRPr lang="en-US" dirty="0"/>
           </a:p>
@@ -7541,7 +7542,7 @@
           <a:p>
             <a:fld id="{48A87A34-81AB-432B-8DAE-1953F412C126}" type="datetimeFigureOut">
               <a:rPr lang="en-US" dirty="0"/>
-              <a:t>11/26/2019</a:t>
+              <a:t>12/3/2019</a:t>
             </a:fld>
             <a:endParaRPr lang="en-US" dirty="0"/>
           </a:p>
@@ -7768,7 +7769,7 @@
           <a:p>
             <a:fld id="{48A87A34-81AB-432B-8DAE-1953F412C126}" type="datetimeFigureOut">
               <a:rPr lang="en-US" dirty="0"/>
-              <a:t>11/26/2019</a:t>
+              <a:t>12/3/2019</a:t>
             </a:fld>
             <a:endParaRPr lang="en-US" dirty="0"/>
           </a:p>
@@ -8144,7 +8145,7 @@
           <a:p>
             <a:fld id="{48A87A34-81AB-432B-8DAE-1953F412C126}" type="datetimeFigureOut">
               <a:rPr lang="en-US" dirty="0"/>
-              <a:t>11/26/2019</a:t>
+              <a:t>12/3/2019</a:t>
             </a:fld>
             <a:endParaRPr lang="en-US" dirty="0"/>
           </a:p>
@@ -8257,7 +8258,7 @@
           <a:p>
             <a:fld id="{48A87A34-81AB-432B-8DAE-1953F412C126}" type="datetimeFigureOut">
               <a:rPr lang="en-US" dirty="0"/>
-              <a:t>11/26/2019</a:t>
+              <a:t>12/3/2019</a:t>
             </a:fld>
             <a:endParaRPr lang="en-US" dirty="0"/>
           </a:p>
@@ -8347,7 +8348,7 @@
           <a:p>
             <a:fld id="{48A87A34-81AB-432B-8DAE-1953F412C126}" type="datetimeFigureOut">
               <a:rPr lang="en-US" dirty="0"/>
-              <a:t>11/26/2019</a:t>
+              <a:t>12/3/2019</a:t>
             </a:fld>
             <a:endParaRPr lang="en-US" dirty="0"/>
           </a:p>
@@ -8591,7 +8592,7 @@
           <a:p>
             <a:fld id="{48A87A34-81AB-432B-8DAE-1953F412C126}" type="datetimeFigureOut">
               <a:rPr lang="en-US" dirty="0"/>
-              <a:t>11/26/2019</a:t>
+              <a:t>12/3/2019</a:t>
             </a:fld>
             <a:endParaRPr lang="en-US" dirty="0"/>
           </a:p>
@@ -8866,7 +8867,7 @@
           <a:p>
             <a:fld id="{48A87A34-81AB-432B-8DAE-1953F412C126}" type="datetimeFigureOut">
               <a:rPr lang="en-US" dirty="0"/>
-              <a:t>11/26/2019</a:t>
+              <a:t>12/3/2019</a:t>
             </a:fld>
             <a:endParaRPr lang="en-US" dirty="0"/>
           </a:p>
@@ -8977,7 +8978,7 @@
           <a:noFill/>
           <a:extLst>
             <a:ext uri="{909E8E84-426E-40dd-AFC4-6F175D3DCCD1}">
-              <a14:hiddenFill xmlns:a14="http://schemas.microsoft.com/office/drawing/2010/main" xmlns="">
+              <a14:hiddenFill xmlns="" xmlns:a14="http://schemas.microsoft.com/office/drawing/2010/main">
                 <a:solidFill>
                   <a:srgbClr val="FFFFFF"/>
                 </a:solidFill>
@@ -9051,7 +9052,7 @@
               </a:ln>
               <a:extLst>
                 <a:ext uri="{91240B29-F687-4f45-9708-019B960494DF}">
-                  <a14:hiddenLine xmlns:a14="http://schemas.microsoft.com/office/drawing/2010/main" xmlns="" w="9525">
+                  <a14:hiddenLine xmlns="" xmlns:a14="http://schemas.microsoft.com/office/drawing/2010/main" w="9525">
                     <a:solidFill>
                       <a:srgbClr val="000000"/>
                     </a:solidFill>
@@ -9141,7 +9142,7 @@
               </a:ln>
               <a:extLst>
                 <a:ext uri="{91240B29-F687-4f45-9708-019B960494DF}">
-                  <a14:hiddenLine xmlns:a14="http://schemas.microsoft.com/office/drawing/2010/main" xmlns="" w="9525">
+                  <a14:hiddenLine xmlns="" xmlns:a14="http://schemas.microsoft.com/office/drawing/2010/main" w="9525">
                     <a:solidFill>
                       <a:srgbClr val="000000"/>
                     </a:solidFill>
@@ -9231,7 +9232,7 @@
               </a:ln>
               <a:extLst>
                 <a:ext uri="{91240B29-F687-4f45-9708-019B960494DF}">
-                  <a14:hiddenLine xmlns:a14="http://schemas.microsoft.com/office/drawing/2010/main" xmlns="" w="9525">
+                  <a14:hiddenLine xmlns="" xmlns:a14="http://schemas.microsoft.com/office/drawing/2010/main" w="9525">
                     <a:solidFill>
                       <a:srgbClr val="000000"/>
                     </a:solidFill>
@@ -9293,7 +9294,7 @@
               </a:ln>
               <a:extLst>
                 <a:ext uri="{91240B29-F687-4f45-9708-019B960494DF}">
-                  <a14:hiddenLine xmlns:a14="http://schemas.microsoft.com/office/drawing/2010/main" xmlns="" w="9525">
+                  <a14:hiddenLine xmlns="" xmlns:a14="http://schemas.microsoft.com/office/drawing/2010/main" w="9525">
                     <a:solidFill>
                       <a:srgbClr val="000000"/>
                     </a:solidFill>
@@ -9383,7 +9384,7 @@
               </a:ln>
               <a:extLst>
                 <a:ext uri="{91240B29-F687-4f45-9708-019B960494DF}">
-                  <a14:hiddenLine xmlns:a14="http://schemas.microsoft.com/office/drawing/2010/main" xmlns="" w="9525">
+                  <a14:hiddenLine xmlns="" xmlns:a14="http://schemas.microsoft.com/office/drawing/2010/main" w="9525">
                     <a:solidFill>
                       <a:srgbClr val="000000"/>
                     </a:solidFill>
@@ -9445,7 +9446,7 @@
               </a:ln>
               <a:extLst>
                 <a:ext uri="{91240B29-F687-4f45-9708-019B960494DF}">
-                  <a14:hiddenLine xmlns:a14="http://schemas.microsoft.com/office/drawing/2010/main" xmlns="" w="9525">
+                  <a14:hiddenLine xmlns="" xmlns:a14="http://schemas.microsoft.com/office/drawing/2010/main" w="9525">
                     <a:solidFill>
                       <a:srgbClr val="000000"/>
                     </a:solidFill>
@@ -9507,7 +9508,7 @@
               </a:ln>
               <a:extLst>
                 <a:ext uri="{91240B29-F687-4f45-9708-019B960494DF}">
-                  <a14:hiddenLine xmlns:a14="http://schemas.microsoft.com/office/drawing/2010/main" xmlns="" w="9525">
+                  <a14:hiddenLine xmlns="" xmlns:a14="http://schemas.microsoft.com/office/drawing/2010/main" w="9525">
                     <a:solidFill>
                       <a:srgbClr val="000000"/>
                     </a:solidFill>
@@ -9597,7 +9598,7 @@
               </a:ln>
               <a:extLst>
                 <a:ext uri="{91240B29-F687-4f45-9708-019B960494DF}">
-                  <a14:hiddenLine xmlns:a14="http://schemas.microsoft.com/office/drawing/2010/main" xmlns="" w="9525">
+                  <a14:hiddenLine xmlns="" xmlns:a14="http://schemas.microsoft.com/office/drawing/2010/main" w="9525">
                     <a:solidFill>
                       <a:srgbClr val="000000"/>
                     </a:solidFill>
@@ -9687,7 +9688,7 @@
               </a:ln>
               <a:extLst>
                 <a:ext uri="{91240B29-F687-4f45-9708-019B960494DF}">
-                  <a14:hiddenLine xmlns:a14="http://schemas.microsoft.com/office/drawing/2010/main" xmlns="" w="9525">
+                  <a14:hiddenLine xmlns="" xmlns:a14="http://schemas.microsoft.com/office/drawing/2010/main" w="9525">
                     <a:solidFill>
                       <a:srgbClr val="000000"/>
                     </a:solidFill>
@@ -9749,7 +9750,7 @@
               </a:ln>
               <a:extLst>
                 <a:ext uri="{91240B29-F687-4f45-9708-019B960494DF}">
-                  <a14:hiddenLine xmlns:a14="http://schemas.microsoft.com/office/drawing/2010/main" xmlns="" w="9525">
+                  <a14:hiddenLine xmlns="" xmlns:a14="http://schemas.microsoft.com/office/drawing/2010/main" w="9525">
                     <a:solidFill>
                       <a:srgbClr val="000000"/>
                     </a:solidFill>
@@ -9859,7 +9860,7 @@
               </a:ln>
               <a:extLst>
                 <a:ext uri="{91240B29-F687-4f45-9708-019B960494DF}">
-                  <a14:hiddenLine xmlns:a14="http://schemas.microsoft.com/office/drawing/2010/main" xmlns="" w="9525">
+                  <a14:hiddenLine xmlns="" xmlns:a14="http://schemas.microsoft.com/office/drawing/2010/main" w="9525">
                     <a:solidFill>
                       <a:srgbClr val="000000"/>
                     </a:solidFill>
@@ -9943,7 +9944,7 @@
               </a:ln>
               <a:extLst>
                 <a:ext uri="{91240B29-F687-4f45-9708-019B960494DF}">
-                  <a14:hiddenLine xmlns:a14="http://schemas.microsoft.com/office/drawing/2010/main" xmlns="" w="9525">
+                  <a14:hiddenLine xmlns="" xmlns:a14="http://schemas.microsoft.com/office/drawing/2010/main" w="9525">
                     <a:solidFill>
                       <a:srgbClr val="000000"/>
                     </a:solidFill>
@@ -10005,7 +10006,7 @@
               </a:ln>
               <a:extLst>
                 <a:ext uri="{91240B29-F687-4f45-9708-019B960494DF}">
-                  <a14:hiddenLine xmlns:a14="http://schemas.microsoft.com/office/drawing/2010/main" xmlns="" w="9525">
+                  <a14:hiddenLine xmlns="" xmlns:a14="http://schemas.microsoft.com/office/drawing/2010/main" w="9525">
                     <a:solidFill>
                       <a:srgbClr val="000000"/>
                     </a:solidFill>
@@ -10067,7 +10068,7 @@
               </a:ln>
               <a:extLst>
                 <a:ext uri="{91240B29-F687-4f45-9708-019B960494DF}">
-                  <a14:hiddenLine xmlns:a14="http://schemas.microsoft.com/office/drawing/2010/main" xmlns="" w="9525">
+                  <a14:hiddenLine xmlns="" xmlns:a14="http://schemas.microsoft.com/office/drawing/2010/main" w="9525">
                     <a:solidFill>
                       <a:srgbClr val="000000"/>
                     </a:solidFill>
@@ -10157,7 +10158,7 @@
               </a:ln>
               <a:extLst>
                 <a:ext uri="{91240B29-F687-4f45-9708-019B960494DF}">
-                  <a14:hiddenLine xmlns:a14="http://schemas.microsoft.com/office/drawing/2010/main" xmlns="" w="9525">
+                  <a14:hiddenLine xmlns="" xmlns:a14="http://schemas.microsoft.com/office/drawing/2010/main" w="9525">
                     <a:solidFill>
                       <a:srgbClr val="000000"/>
                     </a:solidFill>
@@ -10191,7 +10192,7 @@
               </a:ln>
               <a:extLst>
                 <a:ext uri="{91240B29-F687-4f45-9708-019B960494DF}">
-                  <a14:hiddenLine xmlns:a14="http://schemas.microsoft.com/office/drawing/2010/main" xmlns="" w="9525">
+                  <a14:hiddenLine xmlns="" xmlns:a14="http://schemas.microsoft.com/office/drawing/2010/main" w="9525">
                     <a:solidFill>
                       <a:srgbClr val="000000"/>
                     </a:solidFill>
@@ -10256,7 +10257,7 @@
               </a:ln>
               <a:extLst>
                 <a:ext uri="{91240B29-F687-4f45-9708-019B960494DF}">
-                  <a14:hiddenLine xmlns:a14="http://schemas.microsoft.com/office/drawing/2010/main" xmlns="" w="9525">
+                  <a14:hiddenLine xmlns="" xmlns:a14="http://schemas.microsoft.com/office/drawing/2010/main" w="9525">
                     <a:solidFill>
                       <a:srgbClr val="000000"/>
                     </a:solidFill>
@@ -10346,7 +10347,7 @@
               </a:ln>
               <a:extLst>
                 <a:ext uri="{91240B29-F687-4f45-9708-019B960494DF}">
-                  <a14:hiddenLine xmlns:a14="http://schemas.microsoft.com/office/drawing/2010/main" xmlns="" w="9525">
+                  <a14:hiddenLine xmlns="" xmlns:a14="http://schemas.microsoft.com/office/drawing/2010/main" w="9525">
                     <a:solidFill>
                       <a:srgbClr val="000000"/>
                     </a:solidFill>
@@ -10408,7 +10409,7 @@
               </a:ln>
               <a:extLst>
                 <a:ext uri="{91240B29-F687-4f45-9708-019B960494DF}">
-                  <a14:hiddenLine xmlns:a14="http://schemas.microsoft.com/office/drawing/2010/main" xmlns="" w="9525">
+                  <a14:hiddenLine xmlns="" xmlns:a14="http://schemas.microsoft.com/office/drawing/2010/main" w="9525">
                     <a:solidFill>
                       <a:srgbClr val="000000"/>
                     </a:solidFill>
@@ -10498,7 +10499,7 @@
               </a:ln>
               <a:extLst>
                 <a:ext uri="{91240B29-F687-4f45-9708-019B960494DF}">
-                  <a14:hiddenLine xmlns:a14="http://schemas.microsoft.com/office/drawing/2010/main" xmlns="" w="9525">
+                  <a14:hiddenLine xmlns="" xmlns:a14="http://schemas.microsoft.com/office/drawing/2010/main" w="9525">
                     <a:solidFill>
                       <a:srgbClr val="000000"/>
                     </a:solidFill>
@@ -10563,7 +10564,7 @@
               </a:ln>
               <a:extLst>
                 <a:ext uri="{91240B29-F687-4f45-9708-019B960494DF}">
-                  <a14:hiddenLine xmlns:a14="http://schemas.microsoft.com/office/drawing/2010/main" xmlns="" w="9525">
+                  <a14:hiddenLine xmlns="" xmlns:a14="http://schemas.microsoft.com/office/drawing/2010/main" w="9525">
                     <a:solidFill>
                       <a:srgbClr val="000000"/>
                     </a:solidFill>
@@ -10625,7 +10626,7 @@
               </a:ln>
               <a:extLst>
                 <a:ext uri="{91240B29-F687-4f45-9708-019B960494DF}">
-                  <a14:hiddenLine xmlns:a14="http://schemas.microsoft.com/office/drawing/2010/main" xmlns="" w="9525">
+                  <a14:hiddenLine xmlns="" xmlns:a14="http://schemas.microsoft.com/office/drawing/2010/main" w="9525">
                     <a:solidFill>
                       <a:srgbClr val="000000"/>
                     </a:solidFill>
@@ -10715,7 +10716,7 @@
               </a:ln>
               <a:extLst>
                 <a:ext uri="{91240B29-F687-4f45-9708-019B960494DF}">
-                  <a14:hiddenLine xmlns:a14="http://schemas.microsoft.com/office/drawing/2010/main" xmlns="" w="9525">
+                  <a14:hiddenLine xmlns="" xmlns:a14="http://schemas.microsoft.com/office/drawing/2010/main" w="9525">
                     <a:solidFill>
                       <a:srgbClr val="000000"/>
                     </a:solidFill>
@@ -10805,7 +10806,7 @@
               </a:ln>
               <a:extLst>
                 <a:ext uri="{91240B29-F687-4f45-9708-019B960494DF}">
-                  <a14:hiddenLine xmlns:a14="http://schemas.microsoft.com/office/drawing/2010/main" xmlns="" w="9525">
+                  <a14:hiddenLine xmlns="" xmlns:a14="http://schemas.microsoft.com/office/drawing/2010/main" w="9525">
                     <a:solidFill>
                       <a:srgbClr val="000000"/>
                     </a:solidFill>
@@ -10870,7 +10871,7 @@
               </a:ln>
               <a:extLst>
                 <a:ext uri="{91240B29-F687-4f45-9708-019B960494DF}">
-                  <a14:hiddenLine xmlns:a14="http://schemas.microsoft.com/office/drawing/2010/main" xmlns="" w="9525">
+                  <a14:hiddenLine xmlns="" xmlns:a14="http://schemas.microsoft.com/office/drawing/2010/main" w="9525">
                     <a:solidFill>
                       <a:srgbClr val="000000"/>
                     </a:solidFill>
@@ -10990,7 +10991,7 @@
               </a:ln>
               <a:extLst>
                 <a:ext uri="{91240B29-F687-4f45-9708-019B960494DF}">
-                  <a14:hiddenLine xmlns:a14="http://schemas.microsoft.com/office/drawing/2010/main" xmlns="" w="9525">
+                  <a14:hiddenLine xmlns="" xmlns:a14="http://schemas.microsoft.com/office/drawing/2010/main" w="9525">
                     <a:solidFill>
                       <a:srgbClr val="000000"/>
                     </a:solidFill>
@@ -11088,7 +11089,7 @@
               </a:ln>
               <a:extLst>
                 <a:ext uri="{91240B29-F687-4f45-9708-019B960494DF}">
-                  <a14:hiddenLine xmlns:a14="http://schemas.microsoft.com/office/drawing/2010/main" xmlns="" w="9525">
+                  <a14:hiddenLine xmlns="" xmlns:a14="http://schemas.microsoft.com/office/drawing/2010/main" w="9525">
                     <a:solidFill>
                       <a:srgbClr val="000000"/>
                     </a:solidFill>
@@ -11203,7 +11204,7 @@
               </a:ln>
               <a:extLst>
                 <a:ext uri="{91240B29-F687-4f45-9708-019B960494DF}">
-                  <a14:hiddenLine xmlns:a14="http://schemas.microsoft.com/office/drawing/2010/main" xmlns="" w="9525">
+                  <a14:hiddenLine xmlns="" xmlns:a14="http://schemas.microsoft.com/office/drawing/2010/main" w="9525">
                     <a:solidFill>
                       <a:srgbClr val="000000"/>
                     </a:solidFill>
@@ -11293,7 +11294,7 @@
               </a:ln>
               <a:extLst>
                 <a:ext uri="{91240B29-F687-4f45-9708-019B960494DF}">
-                  <a14:hiddenLine xmlns:a14="http://schemas.microsoft.com/office/drawing/2010/main" xmlns="" w="9525">
+                  <a14:hiddenLine xmlns="" xmlns:a14="http://schemas.microsoft.com/office/drawing/2010/main" w="9525">
                     <a:solidFill>
                       <a:srgbClr val="000000"/>
                     </a:solidFill>
@@ -11358,7 +11359,7 @@
               </a:ln>
               <a:extLst>
                 <a:ext uri="{91240B29-F687-4f45-9708-019B960494DF}">
-                  <a14:hiddenLine xmlns:a14="http://schemas.microsoft.com/office/drawing/2010/main" xmlns="" w="9525">
+                  <a14:hiddenLine xmlns="" xmlns:a14="http://schemas.microsoft.com/office/drawing/2010/main" w="9525">
                     <a:solidFill>
                       <a:srgbClr val="000000"/>
                     </a:solidFill>
@@ -11448,7 +11449,7 @@
               </a:ln>
               <a:extLst>
                 <a:ext uri="{91240B29-F687-4f45-9708-019B960494DF}">
-                  <a14:hiddenLine xmlns:a14="http://schemas.microsoft.com/office/drawing/2010/main" xmlns="" w="9525">
+                  <a14:hiddenLine xmlns="" xmlns:a14="http://schemas.microsoft.com/office/drawing/2010/main" w="9525">
                     <a:solidFill>
                       <a:srgbClr val="000000"/>
                     </a:solidFill>
@@ -11516,7 +11517,7 @@
               </a:ln>
               <a:extLst>
                 <a:ext uri="{91240B29-F687-4f45-9708-019B960494DF}">
-                  <a14:hiddenLine xmlns:a14="http://schemas.microsoft.com/office/drawing/2010/main" xmlns="" w="9525">
+                  <a14:hiddenLine xmlns="" xmlns:a14="http://schemas.microsoft.com/office/drawing/2010/main" w="9525">
                     <a:solidFill>
                       <a:srgbClr val="000000"/>
                     </a:solidFill>
@@ -11606,7 +11607,7 @@
               </a:ln>
               <a:extLst>
                 <a:ext uri="{91240B29-F687-4f45-9708-019B960494DF}">
-                  <a14:hiddenLine xmlns:a14="http://schemas.microsoft.com/office/drawing/2010/main" xmlns="" w="9525">
+                  <a14:hiddenLine xmlns="" xmlns:a14="http://schemas.microsoft.com/office/drawing/2010/main" w="9525">
                     <a:solidFill>
                       <a:srgbClr val="000000"/>
                     </a:solidFill>
@@ -11674,7 +11675,7 @@
               </a:ln>
               <a:extLst>
                 <a:ext uri="{91240B29-F687-4f45-9708-019B960494DF}">
-                  <a14:hiddenLine xmlns:a14="http://schemas.microsoft.com/office/drawing/2010/main" xmlns="" w="9525">
+                  <a14:hiddenLine xmlns="" xmlns:a14="http://schemas.microsoft.com/office/drawing/2010/main" w="9525">
                     <a:solidFill>
                       <a:srgbClr val="000000"/>
                     </a:solidFill>
@@ -11764,7 +11765,7 @@
               </a:ln>
               <a:extLst>
                 <a:ext uri="{91240B29-F687-4f45-9708-019B960494DF}">
-                  <a14:hiddenLine xmlns:a14="http://schemas.microsoft.com/office/drawing/2010/main" xmlns="" w="9525">
+                  <a14:hiddenLine xmlns="" xmlns:a14="http://schemas.microsoft.com/office/drawing/2010/main" w="9525">
                     <a:solidFill>
                       <a:srgbClr val="000000"/>
                     </a:solidFill>
@@ -11798,7 +11799,7 @@
               </a:ln>
               <a:extLst>
                 <a:ext uri="{91240B29-F687-4f45-9708-019B960494DF}">
-                  <a14:hiddenLine xmlns:a14="http://schemas.microsoft.com/office/drawing/2010/main" xmlns="" w="9525">
+                  <a14:hiddenLine xmlns="" xmlns:a14="http://schemas.microsoft.com/office/drawing/2010/main" w="9525">
                     <a:solidFill>
                       <a:srgbClr val="000000"/>
                     </a:solidFill>
@@ -11939,7 +11940,7 @@
             <a:fld id="{48A87A34-81AB-432B-8DAE-1953F412C126}" type="datetimeFigureOut">
               <a:rPr lang="en-US" dirty="0"/>
               <a:pPr/>
-              <a:t>11/26/2019</a:t>
+              <a:t>12/3/2019</a:t>
             </a:fld>
             <a:endParaRPr lang="en-US" dirty="0"/>
           </a:p>
@@ -12489,11 +12490,7 @@
           <a:p>
             <a:r>
               <a:rPr lang="en-US" dirty="0" smtClean="0"/>
-              <a:t>Apply </a:t>
-            </a:r>
-            <a:r>
-              <a:rPr lang="en-US" dirty="0" smtClean="0"/>
-              <a:t>and develop PLC functionalities </a:t>
+              <a:t>Apply and develop PLC functionalities </a:t>
             </a:r>
             <a:r>
               <a:rPr lang="en-US" smtClean="0"/>
@@ -12524,6 +12521,86 @@
 </file>
 
 <file path=ppt/slides/slide3.xml><?xml version="1.0" encoding="utf-8"?>
+<p:sld xmlns:a="http://schemas.openxmlformats.org/drawingml/2006/main" xmlns:r="http://schemas.openxmlformats.org/officeDocument/2006/relationships" xmlns:p="http://schemas.openxmlformats.org/presentationml/2006/main">
+  <p:cSld>
+    <p:spTree>
+      <p:nvGrpSpPr>
+        <p:cNvPr id="1" name=""/>
+        <p:cNvGrpSpPr/>
+        <p:nvPr/>
+      </p:nvGrpSpPr>
+      <p:grpSpPr>
+        <a:xfrm>
+          <a:off x="0" y="0"/>
+          <a:ext cx="0" cy="0"/>
+          <a:chOff x="0" y="0"/>
+          <a:chExt cx="0" cy="0"/>
+        </a:xfrm>
+      </p:grpSpPr>
+      <p:sp>
+        <p:nvSpPr>
+          <p:cNvPr id="2" name="Title 1"/>
+          <p:cNvSpPr>
+            <a:spLocks noGrp="1"/>
+          </p:cNvSpPr>
+          <p:nvPr>
+            <p:ph type="title"/>
+          </p:nvPr>
+        </p:nvSpPr>
+        <p:spPr/>
+        <p:txBody>
+          <a:bodyPr/>
+          <a:lstStyle/>
+          <a:p>
+            <a:pPr algn="ctr"/>
+            <a:r>
+              <a:rPr lang="en-US" dirty="0" smtClean="0"/>
+              <a:t>PLC Architecture</a:t>
+            </a:r>
+            <a:endParaRPr lang="en-US" dirty="0"/>
+          </a:p>
+        </p:txBody>
+      </p:sp>
+      <p:pic>
+        <p:nvPicPr>
+          <p:cNvPr id="4" name="Content Placeholder 3"/>
+          <p:cNvPicPr>
+            <a:picLocks noGrp="1" noChangeAspect="1"/>
+          </p:cNvPicPr>
+          <p:nvPr>
+            <p:ph idx="1"/>
+          </p:nvPr>
+        </p:nvPicPr>
+        <p:blipFill>
+          <a:blip r:embed="rId2"/>
+          <a:stretch>
+            <a:fillRect/>
+          </a:stretch>
+        </p:blipFill>
+        <p:spPr>
+          <a:xfrm>
+            <a:off x="4265066" y="1656025"/>
+            <a:ext cx="3846199" cy="4488720"/>
+          </a:xfrm>
+          <a:prstGeom prst="rect">
+            <a:avLst/>
+          </a:prstGeom>
+        </p:spPr>
+      </p:pic>
+    </p:spTree>
+    <p:extLst>
+      <p:ext uri="{BB962C8B-B14F-4D97-AF65-F5344CB8AC3E}">
+        <p14:creationId xmlns:p14="http://schemas.microsoft.com/office/powerpoint/2010/main" val="2052852237"/>
+      </p:ext>
+    </p:extLst>
+  </p:cSld>
+  <p:clrMapOvr>
+    <a:masterClrMapping/>
+  </p:clrMapOvr>
+</p:sld>
+</file>
+
+<file path=ppt/slides/slide4.xml><?xml version="1.0" encoding="utf-8"?>
 <p:sld xmlns:a="http://schemas.openxmlformats.org/drawingml/2006/main" xmlns:r="http://schemas.openxmlformats.org/officeDocument/2006/relationships" xmlns:p="http://schemas.openxmlformats.org/presentationml/2006/main">
   <p:cSld>
     <p:spTree>
@@ -12633,7 +12710,7 @@
 </p:sld>
 </file>
 
-<file path=ppt/slides/slide4.xml><?xml version="1.0" encoding="utf-8"?>
+<file path=ppt/slides/slide5.xml><?xml version="1.0" encoding="utf-8"?>
 <p:sld xmlns:a="http://schemas.openxmlformats.org/drawingml/2006/main" xmlns:r="http://schemas.openxmlformats.org/officeDocument/2006/relationships" xmlns:p="http://schemas.openxmlformats.org/presentationml/2006/main">
   <p:cSld>
     <p:spTree>
@@ -12771,7 +12848,7 @@
 </p:sld>
 </file>
 
-<file path=ppt/slides/slide5.xml><?xml version="1.0" encoding="utf-8"?>
+<file path=ppt/slides/slide6.xml><?xml version="1.0" encoding="utf-8"?>
 <p:sld xmlns:a="http://schemas.openxmlformats.org/drawingml/2006/main" xmlns:r="http://schemas.openxmlformats.org/officeDocument/2006/relationships" xmlns:p="http://schemas.openxmlformats.org/presentationml/2006/main">
   <p:cSld>
     <p:spTree>
@@ -12881,107 +12958,6 @@
 </p:sld>
 </file>
 
-<file path=ppt/slides/slide6.xml><?xml version="1.0" encoding="utf-8"?>
-<p:sld xmlns:a="http://schemas.openxmlformats.org/drawingml/2006/main" xmlns:r="http://schemas.openxmlformats.org/officeDocument/2006/relationships" xmlns:p="http://schemas.openxmlformats.org/presentationml/2006/main">
-  <p:cSld>
-    <p:spTree>
-      <p:nvGrpSpPr>
-        <p:cNvPr id="1" name=""/>
-        <p:cNvGrpSpPr/>
-        <p:nvPr/>
-      </p:nvGrpSpPr>
-      <p:grpSpPr>
-        <a:xfrm>
-          <a:off x="0" y="0"/>
-          <a:ext cx="0" cy="0"/>
-          <a:chOff x="0" y="0"/>
-          <a:chExt cx="0" cy="0"/>
-        </a:xfrm>
-      </p:grpSpPr>
-      <p:sp>
-        <p:nvSpPr>
-          <p:cNvPr id="2" name="Title 1"/>
-          <p:cNvSpPr>
-            <a:spLocks noGrp="1"/>
-          </p:cNvSpPr>
-          <p:nvPr>
-            <p:ph type="title"/>
-          </p:nvPr>
-        </p:nvSpPr>
-        <p:spPr/>
-        <p:txBody>
-          <a:bodyPr/>
-          <a:lstStyle/>
-          <a:p>
-            <a:r>
-              <a:rPr lang="en-US" dirty="0" smtClean="0"/>
-              <a:t>Progress</a:t>
-            </a:r>
-            <a:endParaRPr lang="en-US" dirty="0"/>
-          </a:p>
-        </p:txBody>
-      </p:sp>
-      <p:sp>
-        <p:nvSpPr>
-          <p:cNvPr id="3" name="Content Placeholder 2"/>
-          <p:cNvSpPr>
-            <a:spLocks noGrp="1"/>
-          </p:cNvSpPr>
-          <p:nvPr>
-            <p:ph idx="1"/>
-          </p:nvPr>
-        </p:nvSpPr>
-        <p:spPr/>
-        <p:txBody>
-          <a:bodyPr/>
-          <a:lstStyle/>
-          <a:p>
-            <a:r>
-              <a:rPr lang="en-US" dirty="0" smtClean="0"/>
-              <a:t>Schedule is almost always followed on time.</a:t>
-            </a:r>
-          </a:p>
-          <a:p>
-            <a:r>
-              <a:rPr lang="en-US" dirty="0" smtClean="0"/>
-              <a:t>Current progress was able to run a simple </a:t>
-            </a:r>
-            <a:r>
-              <a:rPr lang="en-US" dirty="0" err="1" smtClean="0"/>
-              <a:t>blinky</a:t>
-            </a:r>
-            <a:r>
-              <a:rPr lang="en-US" dirty="0" smtClean="0"/>
-              <a:t> program into my development flat-form to show that the PLC set is connected and possibly working.</a:t>
-            </a:r>
-          </a:p>
-          <a:p>
-            <a:r>
-              <a:rPr lang="en-US" dirty="0" smtClean="0"/>
-              <a:t>Hardware enclosure not finalized.</a:t>
-            </a:r>
-          </a:p>
-          <a:p>
-            <a:pPr marL="0" indent="0">
-              <a:buNone/>
-            </a:pPr>
-            <a:endParaRPr lang="en-US" dirty="0"/>
-          </a:p>
-        </p:txBody>
-      </p:sp>
-    </p:spTree>
-    <p:extLst>
-      <p:ext uri="{BB962C8B-B14F-4D97-AF65-F5344CB8AC3E}">
-        <p14:creationId xmlns:p14="http://schemas.microsoft.com/office/powerpoint/2010/main" val="2150710011"/>
-      </p:ext>
-    </p:extLst>
-  </p:cSld>
-  <p:clrMapOvr>
-    <a:masterClrMapping/>
-  </p:clrMapOvr>
-</p:sld>
-</file>
-
 <file path=ppt/slides/slide7.xml><?xml version="1.0" encoding="utf-8"?>
 <p:sld xmlns:a="http://schemas.openxmlformats.org/drawingml/2006/main" xmlns:r="http://schemas.openxmlformats.org/officeDocument/2006/relationships" xmlns:p="http://schemas.openxmlformats.org/presentationml/2006/main">
   <p:cSld>
@@ -13016,11 +12992,7 @@
           <a:p>
             <a:r>
               <a:rPr lang="en-US" dirty="0" smtClean="0"/>
-              <a:t>Course knowledge from previous </a:t>
-            </a:r>
-            <a:r>
-              <a:rPr lang="en-US" dirty="0" err="1" smtClean="0"/>
-              <a:t>cources</a:t>
+              <a:t>Progress</a:t>
             </a:r>
             <a:endParaRPr lang="en-US" dirty="0"/>
           </a:p>
@@ -13043,6 +13015,111 @@
           <a:p>
             <a:r>
               <a:rPr lang="en-US" dirty="0" smtClean="0"/>
+              <a:t>Schedule is almost always followed on time.</a:t>
+            </a:r>
+          </a:p>
+          <a:p>
+            <a:r>
+              <a:rPr lang="en-US" dirty="0" smtClean="0"/>
+              <a:t>Current progress was able to run a simple </a:t>
+            </a:r>
+            <a:r>
+              <a:rPr lang="en-US" dirty="0" err="1" smtClean="0"/>
+              <a:t>blinky</a:t>
+            </a:r>
+            <a:r>
+              <a:rPr lang="en-US" dirty="0" smtClean="0"/>
+              <a:t> program into my development flat-form to show that the PLC set is connected and possibly working.</a:t>
+            </a:r>
+          </a:p>
+          <a:p>
+            <a:r>
+              <a:rPr lang="en-US" dirty="0" smtClean="0"/>
+              <a:t>Hardware enclosure not finalized.</a:t>
+            </a:r>
+          </a:p>
+          <a:p>
+            <a:pPr marL="0" indent="0">
+              <a:buNone/>
+            </a:pPr>
+            <a:endParaRPr lang="en-US" dirty="0"/>
+          </a:p>
+        </p:txBody>
+      </p:sp>
+    </p:spTree>
+    <p:extLst>
+      <p:ext uri="{BB962C8B-B14F-4D97-AF65-F5344CB8AC3E}">
+        <p14:creationId xmlns:p14="http://schemas.microsoft.com/office/powerpoint/2010/main" val="2150710011"/>
+      </p:ext>
+    </p:extLst>
+  </p:cSld>
+  <p:clrMapOvr>
+    <a:masterClrMapping/>
+  </p:clrMapOvr>
+</p:sld>
+</file>
+
+<file path=ppt/slides/slide8.xml><?xml version="1.0" encoding="utf-8"?>
+<p:sld xmlns:a="http://schemas.openxmlformats.org/drawingml/2006/main" xmlns:r="http://schemas.openxmlformats.org/officeDocument/2006/relationships" xmlns:p="http://schemas.openxmlformats.org/presentationml/2006/main">
+  <p:cSld>
+    <p:spTree>
+      <p:nvGrpSpPr>
+        <p:cNvPr id="1" name=""/>
+        <p:cNvGrpSpPr/>
+        <p:nvPr/>
+      </p:nvGrpSpPr>
+      <p:grpSpPr>
+        <a:xfrm>
+          <a:off x="0" y="0"/>
+          <a:ext cx="0" cy="0"/>
+          <a:chOff x="0" y="0"/>
+          <a:chExt cx="0" cy="0"/>
+        </a:xfrm>
+      </p:grpSpPr>
+      <p:sp>
+        <p:nvSpPr>
+          <p:cNvPr id="2" name="Title 1"/>
+          <p:cNvSpPr>
+            <a:spLocks noGrp="1"/>
+          </p:cNvSpPr>
+          <p:nvPr>
+            <p:ph type="title"/>
+          </p:nvPr>
+        </p:nvSpPr>
+        <p:spPr/>
+        <p:txBody>
+          <a:bodyPr/>
+          <a:lstStyle/>
+          <a:p>
+            <a:r>
+              <a:rPr lang="en-US" dirty="0" smtClean="0"/>
+              <a:t>Course knowledge from previous </a:t>
+            </a:r>
+            <a:r>
+              <a:rPr lang="en-US" dirty="0" err="1" smtClean="0"/>
+              <a:t>cources</a:t>
+            </a:r>
+            <a:endParaRPr lang="en-US" dirty="0"/>
+          </a:p>
+        </p:txBody>
+      </p:sp>
+      <p:sp>
+        <p:nvSpPr>
+          <p:cNvPr id="3" name="Content Placeholder 2"/>
+          <p:cNvSpPr>
+            <a:spLocks noGrp="1"/>
+          </p:cNvSpPr>
+          <p:nvPr>
+            <p:ph idx="1"/>
+          </p:nvPr>
+        </p:nvSpPr>
+        <p:spPr/>
+        <p:txBody>
+          <a:bodyPr/>
+          <a:lstStyle/>
+          <a:p>
+            <a:r>
+              <a:rPr lang="en-US" dirty="0" smtClean="0"/>
               <a:t>Embedded Systems</a:t>
             </a:r>
           </a:p>
@@ -13076,7 +13153,7 @@
 </p:sld>
 </file>
 
-<file path=ppt/slides/slide8.xml><?xml version="1.0" encoding="utf-8"?>
+<file path=ppt/slides/slide9.xml><?xml version="1.0" encoding="utf-8"?>
 <p:sld xmlns:a="http://schemas.openxmlformats.org/drawingml/2006/main" xmlns:r="http://schemas.openxmlformats.org/officeDocument/2006/relationships" xmlns:p="http://schemas.openxmlformats.org/presentationml/2006/main">
   <p:cSld>
     <p:spTree>

--- a/Documentation/Solar controller.pptx
+++ b/Documentation/Solar controller.pptx
@@ -10,10 +10,11 @@
     <p:sldId id="265" r:id="rId4"/>
     <p:sldId id="260" r:id="rId5"/>
     <p:sldId id="263" r:id="rId6"/>
-    <p:sldId id="258" r:id="rId7"/>
-    <p:sldId id="264" r:id="rId8"/>
-    <p:sldId id="262" r:id="rId9"/>
-    <p:sldId id="261" r:id="rId10"/>
+    <p:sldId id="266" r:id="rId7"/>
+    <p:sldId id="258" r:id="rId8"/>
+    <p:sldId id="264" r:id="rId9"/>
+    <p:sldId id="262" r:id="rId10"/>
+    <p:sldId id="261" r:id="rId11"/>
   </p:sldIdLst>
   <p:sldSz cx="12192000" cy="6858000"/>
   <p:notesSz cx="6858000" cy="9144000"/>
@@ -170,7 +171,7 @@
           <a:noFill/>
           <a:extLst>
             <a:ext uri="{909E8E84-426E-40dd-AFC4-6F175D3DCCD1}">
-              <a14:hiddenFill xmlns="" xmlns:a14="http://schemas.microsoft.com/office/drawing/2010/main">
+              <a14:hiddenFill xmlns:a14="http://schemas.microsoft.com/office/drawing/2010/main" xmlns="">
                 <a:solidFill>
                   <a:srgbClr val="FFFFFF"/>
                 </a:solidFill>
@@ -230,7 +231,7 @@
             </a:ln>
             <a:extLst>
               <a:ext uri="{91240B29-F687-4f45-9708-019B960494DF}">
-                <a14:hiddenLine xmlns="" xmlns:a14="http://schemas.microsoft.com/office/drawing/2010/main" w="9525">
+                <a14:hiddenLine xmlns:a14="http://schemas.microsoft.com/office/drawing/2010/main" xmlns="" w="9525">
                   <a:solidFill>
                     <a:srgbClr val="000000"/>
                   </a:solidFill>
@@ -320,7 +321,7 @@
             </a:ln>
             <a:extLst>
               <a:ext uri="{91240B29-F687-4f45-9708-019B960494DF}">
-                <a14:hiddenLine xmlns="" xmlns:a14="http://schemas.microsoft.com/office/drawing/2010/main" w="9525">
+                <a14:hiddenLine xmlns:a14="http://schemas.microsoft.com/office/drawing/2010/main" xmlns="" w="9525">
                   <a:solidFill>
                     <a:srgbClr val="000000"/>
                   </a:solidFill>
@@ -410,7 +411,7 @@
             </a:ln>
             <a:extLst>
               <a:ext uri="{91240B29-F687-4f45-9708-019B960494DF}">
-                <a14:hiddenLine xmlns="" xmlns:a14="http://schemas.microsoft.com/office/drawing/2010/main" w="9525">
+                <a14:hiddenLine xmlns:a14="http://schemas.microsoft.com/office/drawing/2010/main" xmlns="" w="9525">
                   <a:solidFill>
                     <a:srgbClr val="000000"/>
                   </a:solidFill>
@@ -444,7 +445,7 @@
             </a:ln>
             <a:extLst>
               <a:ext uri="{91240B29-F687-4f45-9708-019B960494DF}">
-                <a14:hiddenLine xmlns="" xmlns:a14="http://schemas.microsoft.com/office/drawing/2010/main" w="9525">
+                <a14:hiddenLine xmlns:a14="http://schemas.microsoft.com/office/drawing/2010/main" xmlns="" w="9525">
                   <a:solidFill>
                     <a:srgbClr val="000000"/>
                   </a:solidFill>
@@ -534,7 +535,7 @@
             </a:ln>
             <a:extLst>
               <a:ext uri="{91240B29-F687-4f45-9708-019B960494DF}">
-                <a14:hiddenLine xmlns="" xmlns:a14="http://schemas.microsoft.com/office/drawing/2010/main" w="9525">
+                <a14:hiddenLine xmlns:a14="http://schemas.microsoft.com/office/drawing/2010/main" xmlns="" w="9525">
                   <a:solidFill>
                     <a:srgbClr val="000000"/>
                   </a:solidFill>
@@ -596,7 +597,7 @@
             </a:ln>
             <a:extLst>
               <a:ext uri="{91240B29-F687-4f45-9708-019B960494DF}">
-                <a14:hiddenLine xmlns="" xmlns:a14="http://schemas.microsoft.com/office/drawing/2010/main" w="9525">
+                <a14:hiddenLine xmlns:a14="http://schemas.microsoft.com/office/drawing/2010/main" xmlns="" w="9525">
                   <a:solidFill>
                     <a:srgbClr val="000000"/>
                   </a:solidFill>
@@ -658,7 +659,7 @@
             </a:ln>
             <a:extLst>
               <a:ext uri="{91240B29-F687-4f45-9708-019B960494DF}">
-                <a14:hiddenLine xmlns="" xmlns:a14="http://schemas.microsoft.com/office/drawing/2010/main" w="9525">
+                <a14:hiddenLine xmlns:a14="http://schemas.microsoft.com/office/drawing/2010/main" xmlns="" w="9525">
                   <a:solidFill>
                     <a:srgbClr val="000000"/>
                   </a:solidFill>
@@ -748,7 +749,7 @@
             </a:ln>
             <a:extLst>
               <a:ext uri="{91240B29-F687-4f45-9708-019B960494DF}">
-                <a14:hiddenLine xmlns="" xmlns:a14="http://schemas.microsoft.com/office/drawing/2010/main" w="9525">
+                <a14:hiddenLine xmlns:a14="http://schemas.microsoft.com/office/drawing/2010/main" xmlns="" w="9525">
                   <a:solidFill>
                     <a:srgbClr val="000000"/>
                   </a:solidFill>
@@ -810,7 +811,7 @@
             </a:ln>
             <a:extLst>
               <a:ext uri="{91240B29-F687-4f45-9708-019B960494DF}">
-                <a14:hiddenLine xmlns="" xmlns:a14="http://schemas.microsoft.com/office/drawing/2010/main" w="9525">
+                <a14:hiddenLine xmlns:a14="http://schemas.microsoft.com/office/drawing/2010/main" xmlns="" w="9525">
                   <a:solidFill>
                     <a:srgbClr val="000000"/>
                   </a:solidFill>
@@ -872,7 +873,7 @@
             </a:ln>
             <a:extLst>
               <a:ext uri="{91240B29-F687-4f45-9708-019B960494DF}">
-                <a14:hiddenLine xmlns="" xmlns:a14="http://schemas.microsoft.com/office/drawing/2010/main" w="9525">
+                <a14:hiddenLine xmlns:a14="http://schemas.microsoft.com/office/drawing/2010/main" xmlns="" w="9525">
                   <a:solidFill>
                     <a:srgbClr val="000000"/>
                   </a:solidFill>
@@ -962,7 +963,7 @@
             </a:ln>
             <a:extLst>
               <a:ext uri="{91240B29-F687-4f45-9708-019B960494DF}">
-                <a14:hiddenLine xmlns="" xmlns:a14="http://schemas.microsoft.com/office/drawing/2010/main" w="9525">
+                <a14:hiddenLine xmlns:a14="http://schemas.microsoft.com/office/drawing/2010/main" xmlns="" w="9525">
                   <a:solidFill>
                     <a:srgbClr val="000000"/>
                   </a:solidFill>
@@ -1052,7 +1053,7 @@
             </a:ln>
             <a:extLst>
               <a:ext uri="{91240B29-F687-4f45-9708-019B960494DF}">
-                <a14:hiddenLine xmlns="" xmlns:a14="http://schemas.microsoft.com/office/drawing/2010/main" w="9525">
+                <a14:hiddenLine xmlns:a14="http://schemas.microsoft.com/office/drawing/2010/main" xmlns="" w="9525">
                   <a:solidFill>
                     <a:srgbClr val="000000"/>
                   </a:solidFill>
@@ -1114,7 +1115,7 @@
             </a:ln>
             <a:extLst>
               <a:ext uri="{91240B29-F687-4f45-9708-019B960494DF}">
-                <a14:hiddenLine xmlns="" xmlns:a14="http://schemas.microsoft.com/office/drawing/2010/main" w="9525">
+                <a14:hiddenLine xmlns:a14="http://schemas.microsoft.com/office/drawing/2010/main" xmlns="" w="9525">
                   <a:solidFill>
                     <a:srgbClr val="000000"/>
                   </a:solidFill>
@@ -1224,7 +1225,7 @@
             </a:ln>
             <a:extLst>
               <a:ext uri="{91240B29-F687-4f45-9708-019B960494DF}">
-                <a14:hiddenLine xmlns="" xmlns:a14="http://schemas.microsoft.com/office/drawing/2010/main" w="9525">
+                <a14:hiddenLine xmlns:a14="http://schemas.microsoft.com/office/drawing/2010/main" xmlns="" w="9525">
                   <a:solidFill>
                     <a:srgbClr val="000000"/>
                   </a:solidFill>
@@ -1286,7 +1287,7 @@
             </a:ln>
             <a:extLst>
               <a:ext uri="{91240B29-F687-4f45-9708-019B960494DF}">
-                <a14:hiddenLine xmlns="" xmlns:a14="http://schemas.microsoft.com/office/drawing/2010/main" w="9525">
+                <a14:hiddenLine xmlns:a14="http://schemas.microsoft.com/office/drawing/2010/main" xmlns="" w="9525">
                   <a:solidFill>
                     <a:srgbClr val="000000"/>
                   </a:solidFill>
@@ -1376,7 +1377,7 @@
             </a:ln>
             <a:extLst>
               <a:ext uri="{91240B29-F687-4f45-9708-019B960494DF}">
-                <a14:hiddenLine xmlns="" xmlns:a14="http://schemas.microsoft.com/office/drawing/2010/main" w="9525">
+                <a14:hiddenLine xmlns:a14="http://schemas.microsoft.com/office/drawing/2010/main" xmlns="" w="9525">
                   <a:solidFill>
                     <a:srgbClr val="000000"/>
                   </a:solidFill>
@@ -1466,7 +1467,7 @@
             </a:ln>
             <a:extLst>
               <a:ext uri="{91240B29-F687-4f45-9708-019B960494DF}">
-                <a14:hiddenLine xmlns="" xmlns:a14="http://schemas.microsoft.com/office/drawing/2010/main" w="9525">
+                <a14:hiddenLine xmlns:a14="http://schemas.microsoft.com/office/drawing/2010/main" xmlns="" w="9525">
                   <a:solidFill>
                     <a:srgbClr val="000000"/>
                   </a:solidFill>
@@ -1528,7 +1529,7 @@
             </a:ln>
             <a:extLst>
               <a:ext uri="{91240B29-F687-4f45-9708-019B960494DF}">
-                <a14:hiddenLine xmlns="" xmlns:a14="http://schemas.microsoft.com/office/drawing/2010/main" w="9525">
+                <a14:hiddenLine xmlns:a14="http://schemas.microsoft.com/office/drawing/2010/main" xmlns="" w="9525">
                   <a:solidFill>
                     <a:srgbClr val="000000"/>
                   </a:solidFill>
@@ -1618,7 +1619,7 @@
             </a:ln>
             <a:extLst>
               <a:ext uri="{91240B29-F687-4f45-9708-019B960494DF}">
-                <a14:hiddenLine xmlns="" xmlns:a14="http://schemas.microsoft.com/office/drawing/2010/main" w="9525">
+                <a14:hiddenLine xmlns:a14="http://schemas.microsoft.com/office/drawing/2010/main" xmlns="" w="9525">
                   <a:solidFill>
                     <a:srgbClr val="000000"/>
                   </a:solidFill>
@@ -1708,7 +1709,7 @@
             </a:ln>
             <a:extLst>
               <a:ext uri="{91240B29-F687-4f45-9708-019B960494DF}">
-                <a14:hiddenLine xmlns="" xmlns:a14="http://schemas.microsoft.com/office/drawing/2010/main" w="9525">
+                <a14:hiddenLine xmlns:a14="http://schemas.microsoft.com/office/drawing/2010/main" xmlns="" w="9525">
                   <a:solidFill>
                     <a:srgbClr val="000000"/>
                   </a:solidFill>
@@ -1764,7 +1765,7 @@
             </a:ln>
             <a:extLst>
               <a:ext uri="{91240B29-F687-4f45-9708-019B960494DF}">
-                <a14:hiddenLine xmlns="" xmlns:a14="http://schemas.microsoft.com/office/drawing/2010/main" w="9525">
+                <a14:hiddenLine xmlns:a14="http://schemas.microsoft.com/office/drawing/2010/main" xmlns="" w="9525">
                   <a:solidFill>
                     <a:srgbClr val="000000"/>
                   </a:solidFill>
@@ -1854,7 +1855,7 @@
             </a:ln>
             <a:extLst>
               <a:ext uri="{91240B29-F687-4f45-9708-019B960494DF}">
-                <a14:hiddenLine xmlns="" xmlns:a14="http://schemas.microsoft.com/office/drawing/2010/main" w="9525">
+                <a14:hiddenLine xmlns:a14="http://schemas.microsoft.com/office/drawing/2010/main" xmlns="" w="9525">
                   <a:solidFill>
                     <a:srgbClr val="000000"/>
                   </a:solidFill>
@@ -1910,7 +1911,7 @@
             </a:ln>
             <a:extLst>
               <a:ext uri="{91240B29-F687-4f45-9708-019B960494DF}">
-                <a14:hiddenLine xmlns="" xmlns:a14="http://schemas.microsoft.com/office/drawing/2010/main" w="9525">
+                <a14:hiddenLine xmlns:a14="http://schemas.microsoft.com/office/drawing/2010/main" xmlns="" w="9525">
                   <a:solidFill>
                     <a:srgbClr val="000000"/>
                   </a:solidFill>
@@ -2000,7 +2001,7 @@
             </a:ln>
             <a:extLst>
               <a:ext uri="{91240B29-F687-4f45-9708-019B960494DF}">
-                <a14:hiddenLine xmlns="" xmlns:a14="http://schemas.microsoft.com/office/drawing/2010/main" w="9525">
+                <a14:hiddenLine xmlns:a14="http://schemas.microsoft.com/office/drawing/2010/main" xmlns="" w="9525">
                   <a:solidFill>
                     <a:srgbClr val="000000"/>
                   </a:solidFill>
@@ -2068,7 +2069,7 @@
             </a:ln>
             <a:extLst>
               <a:ext uri="{91240B29-F687-4f45-9708-019B960494DF}">
-                <a14:hiddenLine xmlns="" xmlns:a14="http://schemas.microsoft.com/office/drawing/2010/main" w="9525">
+                <a14:hiddenLine xmlns:a14="http://schemas.microsoft.com/office/drawing/2010/main" xmlns="" w="9525">
                   <a:solidFill>
                     <a:srgbClr val="000000"/>
                   </a:solidFill>
@@ -2158,7 +2159,7 @@
             </a:ln>
             <a:extLst>
               <a:ext uri="{91240B29-F687-4f45-9708-019B960494DF}">
-                <a14:hiddenLine xmlns="" xmlns:a14="http://schemas.microsoft.com/office/drawing/2010/main" w="9525">
+                <a14:hiddenLine xmlns:a14="http://schemas.microsoft.com/office/drawing/2010/main" xmlns="" w="9525">
                   <a:solidFill>
                     <a:srgbClr val="000000"/>
                   </a:solidFill>
@@ -2226,7 +2227,7 @@
             </a:ln>
             <a:extLst>
               <a:ext uri="{91240B29-F687-4f45-9708-019B960494DF}">
-                <a14:hiddenLine xmlns="" xmlns:a14="http://schemas.microsoft.com/office/drawing/2010/main" w="9525">
+                <a14:hiddenLine xmlns:a14="http://schemas.microsoft.com/office/drawing/2010/main" xmlns="" w="9525">
                   <a:solidFill>
                     <a:srgbClr val="000000"/>
                   </a:solidFill>
@@ -2316,7 +2317,7 @@
             </a:ln>
             <a:extLst>
               <a:ext uri="{91240B29-F687-4f45-9708-019B960494DF}">
-                <a14:hiddenLine xmlns="" xmlns:a14="http://schemas.microsoft.com/office/drawing/2010/main" w="9525">
+                <a14:hiddenLine xmlns:a14="http://schemas.microsoft.com/office/drawing/2010/main" xmlns="" w="9525">
                   <a:solidFill>
                     <a:srgbClr val="000000"/>
                   </a:solidFill>
@@ -2350,7 +2351,7 @@
             </a:ln>
             <a:extLst>
               <a:ext uri="{91240B29-F687-4f45-9708-019B960494DF}">
-                <a14:hiddenLine xmlns="" xmlns:a14="http://schemas.microsoft.com/office/drawing/2010/main" w="9525">
+                <a14:hiddenLine xmlns:a14="http://schemas.microsoft.com/office/drawing/2010/main" xmlns="" w="9525">
                   <a:solidFill>
                     <a:srgbClr val="000000"/>
                   </a:solidFill>
@@ -2440,7 +2441,7 @@
             </a:ln>
             <a:extLst>
               <a:ext uri="{91240B29-F687-4f45-9708-019B960494DF}">
-                <a14:hiddenLine xmlns="" xmlns:a14="http://schemas.microsoft.com/office/drawing/2010/main" w="9525">
+                <a14:hiddenLine xmlns:a14="http://schemas.microsoft.com/office/drawing/2010/main" xmlns="" w="9525">
                   <a:solidFill>
                     <a:srgbClr val="000000"/>
                   </a:solidFill>
@@ -2502,7 +2503,7 @@
             </a:ln>
             <a:extLst>
               <a:ext uri="{91240B29-F687-4f45-9708-019B960494DF}">
-                <a14:hiddenLine xmlns="" xmlns:a14="http://schemas.microsoft.com/office/drawing/2010/main" w="9525">
+                <a14:hiddenLine xmlns:a14="http://schemas.microsoft.com/office/drawing/2010/main" xmlns="" w="9525">
                   <a:solidFill>
                     <a:srgbClr val="000000"/>
                   </a:solidFill>
@@ -2564,7 +2565,7 @@
             </a:ln>
             <a:extLst>
               <a:ext uri="{91240B29-F687-4f45-9708-019B960494DF}">
-                <a14:hiddenLine xmlns="" xmlns:a14="http://schemas.microsoft.com/office/drawing/2010/main" w="9525">
+                <a14:hiddenLine xmlns:a14="http://schemas.microsoft.com/office/drawing/2010/main" xmlns="" w="9525">
                   <a:solidFill>
                     <a:srgbClr val="000000"/>
                   </a:solidFill>
@@ -2654,7 +2655,7 @@
             </a:ln>
             <a:extLst>
               <a:ext uri="{91240B29-F687-4f45-9708-019B960494DF}">
-                <a14:hiddenLine xmlns="" xmlns:a14="http://schemas.microsoft.com/office/drawing/2010/main" w="9525">
+                <a14:hiddenLine xmlns:a14="http://schemas.microsoft.com/office/drawing/2010/main" xmlns="" w="9525">
                   <a:solidFill>
                     <a:srgbClr val="000000"/>
                   </a:solidFill>
@@ -2722,7 +2723,7 @@
             </a:ln>
             <a:extLst>
               <a:ext uri="{91240B29-F687-4f45-9708-019B960494DF}">
-                <a14:hiddenLine xmlns="" xmlns:a14="http://schemas.microsoft.com/office/drawing/2010/main" w="9525">
+                <a14:hiddenLine xmlns:a14="http://schemas.microsoft.com/office/drawing/2010/main" xmlns="" w="9525">
                   <a:solidFill>
                     <a:srgbClr val="000000"/>
                   </a:solidFill>
@@ -2784,7 +2785,7 @@
             </a:ln>
             <a:extLst>
               <a:ext uri="{91240B29-F687-4f45-9708-019B960494DF}">
-                <a14:hiddenLine xmlns="" xmlns:a14="http://schemas.microsoft.com/office/drawing/2010/main" w="9525">
+                <a14:hiddenLine xmlns:a14="http://schemas.microsoft.com/office/drawing/2010/main" xmlns="" w="9525">
                   <a:solidFill>
                     <a:srgbClr val="000000"/>
                   </a:solidFill>
@@ -2874,7 +2875,7 @@
             </a:ln>
             <a:extLst>
               <a:ext uri="{91240B29-F687-4f45-9708-019B960494DF}">
-                <a14:hiddenLine xmlns="" xmlns:a14="http://schemas.microsoft.com/office/drawing/2010/main" w="9525">
+                <a14:hiddenLine xmlns:a14="http://schemas.microsoft.com/office/drawing/2010/main" xmlns="" w="9525">
                   <a:solidFill>
                     <a:srgbClr val="000000"/>
                   </a:solidFill>
@@ -2936,7 +2937,7 @@
             </a:ln>
             <a:extLst>
               <a:ext uri="{91240B29-F687-4f45-9708-019B960494DF}">
-                <a14:hiddenLine xmlns="" xmlns:a14="http://schemas.microsoft.com/office/drawing/2010/main" w="9525">
+                <a14:hiddenLine xmlns:a14="http://schemas.microsoft.com/office/drawing/2010/main" xmlns="" w="9525">
                   <a:solidFill>
                     <a:srgbClr val="000000"/>
                   </a:solidFill>
@@ -3026,7 +3027,7 @@
             </a:ln>
             <a:extLst>
               <a:ext uri="{91240B29-F687-4f45-9708-019B960494DF}">
-                <a14:hiddenLine xmlns="" xmlns:a14="http://schemas.microsoft.com/office/drawing/2010/main" w="9525">
+                <a14:hiddenLine xmlns:a14="http://schemas.microsoft.com/office/drawing/2010/main" xmlns="" w="9525">
                   <a:solidFill>
                     <a:srgbClr val="000000"/>
                   </a:solidFill>
@@ -3088,7 +3089,7 @@
             </a:ln>
             <a:extLst>
               <a:ext uri="{91240B29-F687-4f45-9708-019B960494DF}">
-                <a14:hiddenLine xmlns="" xmlns:a14="http://schemas.microsoft.com/office/drawing/2010/main" w="9525">
+                <a14:hiddenLine xmlns:a14="http://schemas.microsoft.com/office/drawing/2010/main" xmlns="" w="9525">
                   <a:solidFill>
                     <a:srgbClr val="000000"/>
                   </a:solidFill>
@@ -3178,7 +3179,7 @@
             </a:ln>
             <a:extLst>
               <a:ext uri="{91240B29-F687-4f45-9708-019B960494DF}">
-                <a14:hiddenLine xmlns="" xmlns:a14="http://schemas.microsoft.com/office/drawing/2010/main" w="9525">
+                <a14:hiddenLine xmlns:a14="http://schemas.microsoft.com/office/drawing/2010/main" xmlns="" w="9525">
                   <a:solidFill>
                     <a:srgbClr val="000000"/>
                   </a:solidFill>
@@ -3212,7 +3213,7 @@
             </a:ln>
             <a:extLst>
               <a:ext uri="{91240B29-F687-4f45-9708-019B960494DF}">
-                <a14:hiddenLine xmlns="" xmlns:a14="http://schemas.microsoft.com/office/drawing/2010/main" w="9525">
+                <a14:hiddenLine xmlns:a14="http://schemas.microsoft.com/office/drawing/2010/main" xmlns="" w="9525">
                   <a:solidFill>
                     <a:srgbClr val="000000"/>
                   </a:solidFill>
@@ -3277,7 +3278,7 @@
             </a:ln>
             <a:extLst>
               <a:ext uri="{91240B29-F687-4f45-9708-019B960494DF}">
-                <a14:hiddenLine xmlns="" xmlns:a14="http://schemas.microsoft.com/office/drawing/2010/main" w="9525">
+                <a14:hiddenLine xmlns:a14="http://schemas.microsoft.com/office/drawing/2010/main" xmlns="" w="9525">
                   <a:solidFill>
                     <a:srgbClr val="000000"/>
                   </a:solidFill>
@@ -3367,7 +3368,7 @@
             </a:ln>
             <a:extLst>
               <a:ext uri="{91240B29-F687-4f45-9708-019B960494DF}">
-                <a14:hiddenLine xmlns="" xmlns:a14="http://schemas.microsoft.com/office/drawing/2010/main" w="9525">
+                <a14:hiddenLine xmlns:a14="http://schemas.microsoft.com/office/drawing/2010/main" xmlns="" w="9525">
                   <a:solidFill>
                     <a:srgbClr val="000000"/>
                   </a:solidFill>
@@ -3429,7 +3430,7 @@
             </a:ln>
             <a:extLst>
               <a:ext uri="{91240B29-F687-4f45-9708-019B960494DF}">
-                <a14:hiddenLine xmlns="" xmlns:a14="http://schemas.microsoft.com/office/drawing/2010/main" w="9525">
+                <a14:hiddenLine xmlns:a14="http://schemas.microsoft.com/office/drawing/2010/main" xmlns="" w="9525">
                   <a:solidFill>
                     <a:srgbClr val="000000"/>
                   </a:solidFill>
@@ -3519,7 +3520,7 @@
             </a:ln>
             <a:extLst>
               <a:ext uri="{91240B29-F687-4f45-9708-019B960494DF}">
-                <a14:hiddenLine xmlns="" xmlns:a14="http://schemas.microsoft.com/office/drawing/2010/main" w="9525">
+                <a14:hiddenLine xmlns:a14="http://schemas.microsoft.com/office/drawing/2010/main" xmlns="" w="9525">
                   <a:solidFill>
                     <a:srgbClr val="000000"/>
                   </a:solidFill>
@@ -3609,7 +3610,7 @@
             </a:ln>
             <a:extLst>
               <a:ext uri="{91240B29-F687-4f45-9708-019B960494DF}">
-                <a14:hiddenLine xmlns="" xmlns:a14="http://schemas.microsoft.com/office/drawing/2010/main" w="9525">
+                <a14:hiddenLine xmlns:a14="http://schemas.microsoft.com/office/drawing/2010/main" xmlns="" w="9525">
                   <a:solidFill>
                     <a:srgbClr val="000000"/>
                   </a:solidFill>
@@ -3674,7 +3675,7 @@
             </a:ln>
             <a:extLst>
               <a:ext uri="{91240B29-F687-4f45-9708-019B960494DF}">
-                <a14:hiddenLine xmlns="" xmlns:a14="http://schemas.microsoft.com/office/drawing/2010/main" w="9525">
+                <a14:hiddenLine xmlns:a14="http://schemas.microsoft.com/office/drawing/2010/main" xmlns="" w="9525">
                   <a:solidFill>
                     <a:srgbClr val="000000"/>
                   </a:solidFill>
@@ -3736,7 +3737,7 @@
             </a:ln>
             <a:extLst>
               <a:ext uri="{91240B29-F687-4f45-9708-019B960494DF}">
-                <a14:hiddenLine xmlns="" xmlns:a14="http://schemas.microsoft.com/office/drawing/2010/main" w="9525">
+                <a14:hiddenLine xmlns:a14="http://schemas.microsoft.com/office/drawing/2010/main" xmlns="" w="9525">
                   <a:solidFill>
                     <a:srgbClr val="000000"/>
                   </a:solidFill>
@@ -3826,7 +3827,7 @@
             </a:ln>
             <a:extLst>
               <a:ext uri="{91240B29-F687-4f45-9708-019B960494DF}">
-                <a14:hiddenLine xmlns="" xmlns:a14="http://schemas.microsoft.com/office/drawing/2010/main" w="9525">
+                <a14:hiddenLine xmlns:a14="http://schemas.microsoft.com/office/drawing/2010/main" xmlns="" w="9525">
                   <a:solidFill>
                     <a:srgbClr val="000000"/>
                   </a:solidFill>
@@ -3916,7 +3917,7 @@
             </a:ln>
             <a:extLst>
               <a:ext uri="{91240B29-F687-4f45-9708-019B960494DF}">
-                <a14:hiddenLine xmlns="" xmlns:a14="http://schemas.microsoft.com/office/drawing/2010/main" w="9525">
+                <a14:hiddenLine xmlns:a14="http://schemas.microsoft.com/office/drawing/2010/main" xmlns="" w="9525">
                   <a:solidFill>
                     <a:srgbClr val="000000"/>
                   </a:solidFill>
@@ -3978,7 +3979,7 @@
             </a:ln>
             <a:extLst>
               <a:ext uri="{91240B29-F687-4f45-9708-019B960494DF}">
-                <a14:hiddenLine xmlns="" xmlns:a14="http://schemas.microsoft.com/office/drawing/2010/main" w="9525">
+                <a14:hiddenLine xmlns:a14="http://schemas.microsoft.com/office/drawing/2010/main" xmlns="" w="9525">
                   <a:solidFill>
                     <a:srgbClr val="000000"/>
                   </a:solidFill>
@@ -4098,7 +4099,7 @@
             </a:ln>
             <a:extLst>
               <a:ext uri="{91240B29-F687-4f45-9708-019B960494DF}">
-                <a14:hiddenLine xmlns="" xmlns:a14="http://schemas.microsoft.com/office/drawing/2010/main" w="9525">
+                <a14:hiddenLine xmlns:a14="http://schemas.microsoft.com/office/drawing/2010/main" xmlns="" w="9525">
                   <a:solidFill>
                     <a:srgbClr val="000000"/>
                   </a:solidFill>
@@ -4166,7 +4167,7 @@
             </a:ln>
             <a:extLst>
               <a:ext uri="{91240B29-F687-4f45-9708-019B960494DF}">
-                <a14:hiddenLine xmlns="" xmlns:a14="http://schemas.microsoft.com/office/drawing/2010/main" w="9525">
+                <a14:hiddenLine xmlns:a14="http://schemas.microsoft.com/office/drawing/2010/main" xmlns="" w="9525">
                   <a:solidFill>
                     <a:srgbClr val="000000"/>
                   </a:solidFill>
@@ -4256,7 +4257,7 @@
             </a:ln>
             <a:extLst>
               <a:ext uri="{91240B29-F687-4f45-9708-019B960494DF}">
-                <a14:hiddenLine xmlns="" xmlns:a14="http://schemas.microsoft.com/office/drawing/2010/main" w="9525">
+                <a14:hiddenLine xmlns:a14="http://schemas.microsoft.com/office/drawing/2010/main" xmlns="" w="9525">
                   <a:solidFill>
                     <a:srgbClr val="000000"/>
                   </a:solidFill>
@@ -8978,7 +8979,7 @@
           <a:noFill/>
           <a:extLst>
             <a:ext uri="{909E8E84-426E-40dd-AFC4-6F175D3DCCD1}">
-              <a14:hiddenFill xmlns="" xmlns:a14="http://schemas.microsoft.com/office/drawing/2010/main">
+              <a14:hiddenFill xmlns:a14="http://schemas.microsoft.com/office/drawing/2010/main" xmlns="">
                 <a:solidFill>
                   <a:srgbClr val="FFFFFF"/>
                 </a:solidFill>
@@ -9052,7 +9053,7 @@
               </a:ln>
               <a:extLst>
                 <a:ext uri="{91240B29-F687-4f45-9708-019B960494DF}">
-                  <a14:hiddenLine xmlns="" xmlns:a14="http://schemas.microsoft.com/office/drawing/2010/main" w="9525">
+                  <a14:hiddenLine xmlns:a14="http://schemas.microsoft.com/office/drawing/2010/main" xmlns="" w="9525">
                     <a:solidFill>
                       <a:srgbClr val="000000"/>
                     </a:solidFill>
@@ -9142,7 +9143,7 @@
               </a:ln>
               <a:extLst>
                 <a:ext uri="{91240B29-F687-4f45-9708-019B960494DF}">
-                  <a14:hiddenLine xmlns="" xmlns:a14="http://schemas.microsoft.com/office/drawing/2010/main" w="9525">
+                  <a14:hiddenLine xmlns:a14="http://schemas.microsoft.com/office/drawing/2010/main" xmlns="" w="9525">
                     <a:solidFill>
                       <a:srgbClr val="000000"/>
                     </a:solidFill>
@@ -9232,7 +9233,7 @@
               </a:ln>
               <a:extLst>
                 <a:ext uri="{91240B29-F687-4f45-9708-019B960494DF}">
-                  <a14:hiddenLine xmlns="" xmlns:a14="http://schemas.microsoft.com/office/drawing/2010/main" w="9525">
+                  <a14:hiddenLine xmlns:a14="http://schemas.microsoft.com/office/drawing/2010/main" xmlns="" w="9525">
                     <a:solidFill>
                       <a:srgbClr val="000000"/>
                     </a:solidFill>
@@ -9294,7 +9295,7 @@
               </a:ln>
               <a:extLst>
                 <a:ext uri="{91240B29-F687-4f45-9708-019B960494DF}">
-                  <a14:hiddenLine xmlns="" xmlns:a14="http://schemas.microsoft.com/office/drawing/2010/main" w="9525">
+                  <a14:hiddenLine xmlns:a14="http://schemas.microsoft.com/office/drawing/2010/main" xmlns="" w="9525">
                     <a:solidFill>
                       <a:srgbClr val="000000"/>
                     </a:solidFill>
@@ -9384,7 +9385,7 @@
               </a:ln>
               <a:extLst>
                 <a:ext uri="{91240B29-F687-4f45-9708-019B960494DF}">
-                  <a14:hiddenLine xmlns="" xmlns:a14="http://schemas.microsoft.com/office/drawing/2010/main" w="9525">
+                  <a14:hiddenLine xmlns:a14="http://schemas.microsoft.com/office/drawing/2010/main" xmlns="" w="9525">
                     <a:solidFill>
                       <a:srgbClr val="000000"/>
                     </a:solidFill>
@@ -9446,7 +9447,7 @@
               </a:ln>
               <a:extLst>
                 <a:ext uri="{91240B29-F687-4f45-9708-019B960494DF}">
-                  <a14:hiddenLine xmlns="" xmlns:a14="http://schemas.microsoft.com/office/drawing/2010/main" w="9525">
+                  <a14:hiddenLine xmlns:a14="http://schemas.microsoft.com/office/drawing/2010/main" xmlns="" w="9525">
                     <a:solidFill>
                       <a:srgbClr val="000000"/>
                     </a:solidFill>
@@ -9508,7 +9509,7 @@
               </a:ln>
               <a:extLst>
                 <a:ext uri="{91240B29-F687-4f45-9708-019B960494DF}">
-                  <a14:hiddenLine xmlns="" xmlns:a14="http://schemas.microsoft.com/office/drawing/2010/main" w="9525">
+                  <a14:hiddenLine xmlns:a14="http://schemas.microsoft.com/office/drawing/2010/main" xmlns="" w="9525">
                     <a:solidFill>
                       <a:srgbClr val="000000"/>
                     </a:solidFill>
@@ -9598,7 +9599,7 @@
               </a:ln>
               <a:extLst>
                 <a:ext uri="{91240B29-F687-4f45-9708-019B960494DF}">
-                  <a14:hiddenLine xmlns="" xmlns:a14="http://schemas.microsoft.com/office/drawing/2010/main" w="9525">
+                  <a14:hiddenLine xmlns:a14="http://schemas.microsoft.com/office/drawing/2010/main" xmlns="" w="9525">
                     <a:solidFill>
                       <a:srgbClr val="000000"/>
                     </a:solidFill>
@@ -9688,7 +9689,7 @@
               </a:ln>
               <a:extLst>
                 <a:ext uri="{91240B29-F687-4f45-9708-019B960494DF}">
-                  <a14:hiddenLine xmlns="" xmlns:a14="http://schemas.microsoft.com/office/drawing/2010/main" w="9525">
+                  <a14:hiddenLine xmlns:a14="http://schemas.microsoft.com/office/drawing/2010/main" xmlns="" w="9525">
                     <a:solidFill>
                       <a:srgbClr val="000000"/>
                     </a:solidFill>
@@ -9750,7 +9751,7 @@
               </a:ln>
               <a:extLst>
                 <a:ext uri="{91240B29-F687-4f45-9708-019B960494DF}">
-                  <a14:hiddenLine xmlns="" xmlns:a14="http://schemas.microsoft.com/office/drawing/2010/main" w="9525">
+                  <a14:hiddenLine xmlns:a14="http://schemas.microsoft.com/office/drawing/2010/main" xmlns="" w="9525">
                     <a:solidFill>
                       <a:srgbClr val="000000"/>
                     </a:solidFill>
@@ -9860,7 +9861,7 @@
               </a:ln>
               <a:extLst>
                 <a:ext uri="{91240B29-F687-4f45-9708-019B960494DF}">
-                  <a14:hiddenLine xmlns="" xmlns:a14="http://schemas.microsoft.com/office/drawing/2010/main" w="9525">
+                  <a14:hiddenLine xmlns:a14="http://schemas.microsoft.com/office/drawing/2010/main" xmlns="" w="9525">
                     <a:solidFill>
                       <a:srgbClr val="000000"/>
                     </a:solidFill>
@@ -9944,7 +9945,7 @@
               </a:ln>
               <a:extLst>
                 <a:ext uri="{91240B29-F687-4f45-9708-019B960494DF}">
-                  <a14:hiddenLine xmlns="" xmlns:a14="http://schemas.microsoft.com/office/drawing/2010/main" w="9525">
+                  <a14:hiddenLine xmlns:a14="http://schemas.microsoft.com/office/drawing/2010/main" xmlns="" w="9525">
                     <a:solidFill>
                       <a:srgbClr val="000000"/>
                     </a:solidFill>
@@ -10006,7 +10007,7 @@
               </a:ln>
               <a:extLst>
                 <a:ext uri="{91240B29-F687-4f45-9708-019B960494DF}">
-                  <a14:hiddenLine xmlns="" xmlns:a14="http://schemas.microsoft.com/office/drawing/2010/main" w="9525">
+                  <a14:hiddenLine xmlns:a14="http://schemas.microsoft.com/office/drawing/2010/main" xmlns="" w="9525">
                     <a:solidFill>
                       <a:srgbClr val="000000"/>
                     </a:solidFill>
@@ -10068,7 +10069,7 @@
               </a:ln>
               <a:extLst>
                 <a:ext uri="{91240B29-F687-4f45-9708-019B960494DF}">
-                  <a14:hiddenLine xmlns="" xmlns:a14="http://schemas.microsoft.com/office/drawing/2010/main" w="9525">
+                  <a14:hiddenLine xmlns:a14="http://schemas.microsoft.com/office/drawing/2010/main" xmlns="" w="9525">
                     <a:solidFill>
                       <a:srgbClr val="000000"/>
                     </a:solidFill>
@@ -10158,7 +10159,7 @@
               </a:ln>
               <a:extLst>
                 <a:ext uri="{91240B29-F687-4f45-9708-019B960494DF}">
-                  <a14:hiddenLine xmlns="" xmlns:a14="http://schemas.microsoft.com/office/drawing/2010/main" w="9525">
+                  <a14:hiddenLine xmlns:a14="http://schemas.microsoft.com/office/drawing/2010/main" xmlns="" w="9525">
                     <a:solidFill>
                       <a:srgbClr val="000000"/>
                     </a:solidFill>
@@ -10192,7 +10193,7 @@
               </a:ln>
               <a:extLst>
                 <a:ext uri="{91240B29-F687-4f45-9708-019B960494DF}">
-                  <a14:hiddenLine xmlns="" xmlns:a14="http://schemas.microsoft.com/office/drawing/2010/main" w="9525">
+                  <a14:hiddenLine xmlns:a14="http://schemas.microsoft.com/office/drawing/2010/main" xmlns="" w="9525">
                     <a:solidFill>
                       <a:srgbClr val="000000"/>
                     </a:solidFill>
@@ -10257,7 +10258,7 @@
               </a:ln>
               <a:extLst>
                 <a:ext uri="{91240B29-F687-4f45-9708-019B960494DF}">
-                  <a14:hiddenLine xmlns="" xmlns:a14="http://schemas.microsoft.com/office/drawing/2010/main" w="9525">
+                  <a14:hiddenLine xmlns:a14="http://schemas.microsoft.com/office/drawing/2010/main" xmlns="" w="9525">
                     <a:solidFill>
                       <a:srgbClr val="000000"/>
                     </a:solidFill>
@@ -10347,7 +10348,7 @@
               </a:ln>
               <a:extLst>
                 <a:ext uri="{91240B29-F687-4f45-9708-019B960494DF}">
-                  <a14:hiddenLine xmlns="" xmlns:a14="http://schemas.microsoft.com/office/drawing/2010/main" w="9525">
+                  <a14:hiddenLine xmlns:a14="http://schemas.microsoft.com/office/drawing/2010/main" xmlns="" w="9525">
                     <a:solidFill>
                       <a:srgbClr val="000000"/>
                     </a:solidFill>
@@ -10409,7 +10410,7 @@
               </a:ln>
               <a:extLst>
                 <a:ext uri="{91240B29-F687-4f45-9708-019B960494DF}">
-                  <a14:hiddenLine xmlns="" xmlns:a14="http://schemas.microsoft.com/office/drawing/2010/main" w="9525">
+                  <a14:hiddenLine xmlns:a14="http://schemas.microsoft.com/office/drawing/2010/main" xmlns="" w="9525">
                     <a:solidFill>
                       <a:srgbClr val="000000"/>
                     </a:solidFill>
@@ -10499,7 +10500,7 @@
               </a:ln>
               <a:extLst>
                 <a:ext uri="{91240B29-F687-4f45-9708-019B960494DF}">
-                  <a14:hiddenLine xmlns="" xmlns:a14="http://schemas.microsoft.com/office/drawing/2010/main" w="9525">
+                  <a14:hiddenLine xmlns:a14="http://schemas.microsoft.com/office/drawing/2010/main" xmlns="" w="9525">
                     <a:solidFill>
                       <a:srgbClr val="000000"/>
                     </a:solidFill>
@@ -10564,7 +10565,7 @@
               </a:ln>
               <a:extLst>
                 <a:ext uri="{91240B29-F687-4f45-9708-019B960494DF}">
-                  <a14:hiddenLine xmlns="" xmlns:a14="http://schemas.microsoft.com/office/drawing/2010/main" w="9525">
+                  <a14:hiddenLine xmlns:a14="http://schemas.microsoft.com/office/drawing/2010/main" xmlns="" w="9525">
                     <a:solidFill>
                       <a:srgbClr val="000000"/>
                     </a:solidFill>
@@ -10626,7 +10627,7 @@
               </a:ln>
               <a:extLst>
                 <a:ext uri="{91240B29-F687-4f45-9708-019B960494DF}">
-                  <a14:hiddenLine xmlns="" xmlns:a14="http://schemas.microsoft.com/office/drawing/2010/main" w="9525">
+                  <a14:hiddenLine xmlns:a14="http://schemas.microsoft.com/office/drawing/2010/main" xmlns="" w="9525">
                     <a:solidFill>
                       <a:srgbClr val="000000"/>
                     </a:solidFill>
@@ -10716,7 +10717,7 @@
               </a:ln>
               <a:extLst>
                 <a:ext uri="{91240B29-F687-4f45-9708-019B960494DF}">
-                  <a14:hiddenLine xmlns="" xmlns:a14="http://schemas.microsoft.com/office/drawing/2010/main" w="9525">
+                  <a14:hiddenLine xmlns:a14="http://schemas.microsoft.com/office/drawing/2010/main" xmlns="" w="9525">
                     <a:solidFill>
                       <a:srgbClr val="000000"/>
                     </a:solidFill>
@@ -10806,7 +10807,7 @@
               </a:ln>
               <a:extLst>
                 <a:ext uri="{91240B29-F687-4f45-9708-019B960494DF}">
-                  <a14:hiddenLine xmlns="" xmlns:a14="http://schemas.microsoft.com/office/drawing/2010/main" w="9525">
+                  <a14:hiddenLine xmlns:a14="http://schemas.microsoft.com/office/drawing/2010/main" xmlns="" w="9525">
                     <a:solidFill>
                       <a:srgbClr val="000000"/>
                     </a:solidFill>
@@ -10871,7 +10872,7 @@
               </a:ln>
               <a:extLst>
                 <a:ext uri="{91240B29-F687-4f45-9708-019B960494DF}">
-                  <a14:hiddenLine xmlns="" xmlns:a14="http://schemas.microsoft.com/office/drawing/2010/main" w="9525">
+                  <a14:hiddenLine xmlns:a14="http://schemas.microsoft.com/office/drawing/2010/main" xmlns="" w="9525">
                     <a:solidFill>
                       <a:srgbClr val="000000"/>
                     </a:solidFill>
@@ -10991,7 +10992,7 @@
               </a:ln>
               <a:extLst>
                 <a:ext uri="{91240B29-F687-4f45-9708-019B960494DF}">
-                  <a14:hiddenLine xmlns="" xmlns:a14="http://schemas.microsoft.com/office/drawing/2010/main" w="9525">
+                  <a14:hiddenLine xmlns:a14="http://schemas.microsoft.com/office/drawing/2010/main" xmlns="" w="9525">
                     <a:solidFill>
                       <a:srgbClr val="000000"/>
                     </a:solidFill>
@@ -11089,7 +11090,7 @@
               </a:ln>
               <a:extLst>
                 <a:ext uri="{91240B29-F687-4f45-9708-019B960494DF}">
-                  <a14:hiddenLine xmlns="" xmlns:a14="http://schemas.microsoft.com/office/drawing/2010/main" w="9525">
+                  <a14:hiddenLine xmlns:a14="http://schemas.microsoft.com/office/drawing/2010/main" xmlns="" w="9525">
                     <a:solidFill>
                       <a:srgbClr val="000000"/>
                     </a:solidFill>
@@ -11204,7 +11205,7 @@
               </a:ln>
               <a:extLst>
                 <a:ext uri="{91240B29-F687-4f45-9708-019B960494DF}">
-                  <a14:hiddenLine xmlns="" xmlns:a14="http://schemas.microsoft.com/office/drawing/2010/main" w="9525">
+                  <a14:hiddenLine xmlns:a14="http://schemas.microsoft.com/office/drawing/2010/main" xmlns="" w="9525">
                     <a:solidFill>
                       <a:srgbClr val="000000"/>
                     </a:solidFill>
@@ -11294,7 +11295,7 @@
               </a:ln>
               <a:extLst>
                 <a:ext uri="{91240B29-F687-4f45-9708-019B960494DF}">
-                  <a14:hiddenLine xmlns="" xmlns:a14="http://schemas.microsoft.com/office/drawing/2010/main" w="9525">
+                  <a14:hiddenLine xmlns:a14="http://schemas.microsoft.com/office/drawing/2010/main" xmlns="" w="9525">
                     <a:solidFill>
                       <a:srgbClr val="000000"/>
                     </a:solidFill>
@@ -11359,7 +11360,7 @@
               </a:ln>
               <a:extLst>
                 <a:ext uri="{91240B29-F687-4f45-9708-019B960494DF}">
-                  <a14:hiddenLine xmlns="" xmlns:a14="http://schemas.microsoft.com/office/drawing/2010/main" w="9525">
+                  <a14:hiddenLine xmlns:a14="http://schemas.microsoft.com/office/drawing/2010/main" xmlns="" w="9525">
                     <a:solidFill>
                       <a:srgbClr val="000000"/>
                     </a:solidFill>
@@ -11449,7 +11450,7 @@
               </a:ln>
               <a:extLst>
                 <a:ext uri="{91240B29-F687-4f45-9708-019B960494DF}">
-                  <a14:hiddenLine xmlns="" xmlns:a14="http://schemas.microsoft.com/office/drawing/2010/main" w="9525">
+                  <a14:hiddenLine xmlns:a14="http://schemas.microsoft.com/office/drawing/2010/main" xmlns="" w="9525">
                     <a:solidFill>
                       <a:srgbClr val="000000"/>
                     </a:solidFill>
@@ -11517,7 +11518,7 @@
               </a:ln>
               <a:extLst>
                 <a:ext uri="{91240B29-F687-4f45-9708-019B960494DF}">
-                  <a14:hiddenLine xmlns="" xmlns:a14="http://schemas.microsoft.com/office/drawing/2010/main" w="9525">
+                  <a14:hiddenLine xmlns:a14="http://schemas.microsoft.com/office/drawing/2010/main" xmlns="" w="9525">
                     <a:solidFill>
                       <a:srgbClr val="000000"/>
                     </a:solidFill>
@@ -11607,7 +11608,7 @@
               </a:ln>
               <a:extLst>
                 <a:ext uri="{91240B29-F687-4f45-9708-019B960494DF}">
-                  <a14:hiddenLine xmlns="" xmlns:a14="http://schemas.microsoft.com/office/drawing/2010/main" w="9525">
+                  <a14:hiddenLine xmlns:a14="http://schemas.microsoft.com/office/drawing/2010/main" xmlns="" w="9525">
                     <a:solidFill>
                       <a:srgbClr val="000000"/>
                     </a:solidFill>
@@ -11675,7 +11676,7 @@
               </a:ln>
               <a:extLst>
                 <a:ext uri="{91240B29-F687-4f45-9708-019B960494DF}">
-                  <a14:hiddenLine xmlns="" xmlns:a14="http://schemas.microsoft.com/office/drawing/2010/main" w="9525">
+                  <a14:hiddenLine xmlns:a14="http://schemas.microsoft.com/office/drawing/2010/main" xmlns="" w="9525">
                     <a:solidFill>
                       <a:srgbClr val="000000"/>
                     </a:solidFill>
@@ -11765,7 +11766,7 @@
               </a:ln>
               <a:extLst>
                 <a:ext uri="{91240B29-F687-4f45-9708-019B960494DF}">
-                  <a14:hiddenLine xmlns="" xmlns:a14="http://schemas.microsoft.com/office/drawing/2010/main" w="9525">
+                  <a14:hiddenLine xmlns:a14="http://schemas.microsoft.com/office/drawing/2010/main" xmlns="" w="9525">
                     <a:solidFill>
                       <a:srgbClr val="000000"/>
                     </a:solidFill>
@@ -11799,7 +11800,7 @@
               </a:ln>
               <a:extLst>
                 <a:ext uri="{91240B29-F687-4f45-9708-019B960494DF}">
-                  <a14:hiddenLine xmlns="" xmlns:a14="http://schemas.microsoft.com/office/drawing/2010/main" w="9525">
+                  <a14:hiddenLine xmlns:a14="http://schemas.microsoft.com/office/drawing/2010/main" xmlns="" w="9525">
                     <a:solidFill>
                       <a:srgbClr val="000000"/>
                     </a:solidFill>
@@ -12421,6 +12422,84 @@
 </p:sld>
 </file>
 
+<file path=ppt/slides/slide10.xml><?xml version="1.0" encoding="utf-8"?>
+<p:sld xmlns:a="http://schemas.openxmlformats.org/drawingml/2006/main" xmlns:r="http://schemas.openxmlformats.org/officeDocument/2006/relationships" xmlns:p="http://schemas.openxmlformats.org/presentationml/2006/main">
+  <p:cSld>
+    <p:spTree>
+      <p:nvGrpSpPr>
+        <p:cNvPr id="1" name=""/>
+        <p:cNvGrpSpPr/>
+        <p:nvPr/>
+      </p:nvGrpSpPr>
+      <p:grpSpPr>
+        <a:xfrm>
+          <a:off x="0" y="0"/>
+          <a:ext cx="0" cy="0"/>
+          <a:chOff x="0" y="0"/>
+          <a:chExt cx="0" cy="0"/>
+        </a:xfrm>
+      </p:grpSpPr>
+      <p:sp>
+        <p:nvSpPr>
+          <p:cNvPr id="2" name="Title 1"/>
+          <p:cNvSpPr>
+            <a:spLocks noGrp="1"/>
+          </p:cNvSpPr>
+          <p:nvPr>
+            <p:ph type="title"/>
+          </p:nvPr>
+        </p:nvSpPr>
+        <p:spPr/>
+        <p:txBody>
+          <a:bodyPr/>
+          <a:lstStyle/>
+          <a:p>
+            <a:r>
+              <a:rPr lang="en-US" dirty="0" smtClean="0"/>
+              <a:t>Project link</a:t>
+            </a:r>
+            <a:endParaRPr lang="en-US" dirty="0"/>
+          </a:p>
+        </p:txBody>
+      </p:sp>
+      <p:sp>
+        <p:nvSpPr>
+          <p:cNvPr id="3" name="Text Placeholder 2"/>
+          <p:cNvSpPr>
+            <a:spLocks noGrp="1"/>
+          </p:cNvSpPr>
+          <p:nvPr>
+            <p:ph type="body" idx="1"/>
+          </p:nvPr>
+        </p:nvSpPr>
+        <p:spPr/>
+        <p:txBody>
+          <a:bodyPr/>
+          <a:lstStyle/>
+          <a:p>
+            <a:r>
+              <a:rPr lang="en-US" dirty="0">
+                <a:hlinkClick r:id="rId2"/>
+              </a:rPr>
+              <a:t>https://github.com/junedacaya/L-wingSolarPanelInteractiveDisplay</a:t>
+            </a:r>
+            <a:endParaRPr lang="en-US" dirty="0"/>
+          </a:p>
+        </p:txBody>
+      </p:sp>
+    </p:spTree>
+    <p:extLst>
+      <p:ext uri="{BB962C8B-B14F-4D97-AF65-F5344CB8AC3E}">
+        <p14:creationId xmlns:p14="http://schemas.microsoft.com/office/powerpoint/2010/main" val="2144068373"/>
+      </p:ext>
+    </p:extLst>
+  </p:cSld>
+  <p:clrMapOvr>
+    <a:masterClrMapping/>
+  </p:clrMapOvr>
+</p:sld>
+</file>
+
 <file path=ppt/slides/slide2.xml><?xml version="1.0" encoding="utf-8"?>
 <p:sld xmlns:a="http://schemas.openxmlformats.org/drawingml/2006/main" xmlns:r="http://schemas.openxmlformats.org/officeDocument/2006/relationships" xmlns:p="http://schemas.openxmlformats.org/presentationml/2006/main">
   <p:cSld>
@@ -12882,6 +12961,88 @@
           <a:p>
             <a:r>
               <a:rPr lang="en-US" dirty="0" smtClean="0"/>
+              <a:t>Hardware assembled</a:t>
+            </a:r>
+            <a:endParaRPr lang="en-US" dirty="0"/>
+          </a:p>
+        </p:txBody>
+      </p:sp>
+      <p:pic>
+        <p:nvPicPr>
+          <p:cNvPr id="4" name="Content Placeholder 3"/>
+          <p:cNvPicPr>
+            <a:picLocks noGrp="1" noChangeAspect="1"/>
+          </p:cNvPicPr>
+          <p:nvPr>
+            <p:ph idx="1"/>
+          </p:nvPr>
+        </p:nvPicPr>
+        <p:blipFill>
+          <a:blip r:embed="rId2">
+            <a:extLst>
+              <a:ext uri="{28A0092B-C50C-407E-A947-70E740481C1C}">
+                <a14:useLocalDpi xmlns:a14="http://schemas.microsoft.com/office/drawing/2010/main" val="0"/>
+              </a:ext>
+            </a:extLst>
+          </a:blip>
+          <a:stretch>
+            <a:fillRect/>
+          </a:stretch>
+        </p:blipFill>
+        <p:spPr>
+          <a:xfrm rot="5400000">
+            <a:off x="3399288" y="2230321"/>
+            <a:ext cx="5003989" cy="3752991"/>
+          </a:xfrm>
+        </p:spPr>
+      </p:pic>
+    </p:spTree>
+    <p:extLst>
+      <p:ext uri="{BB962C8B-B14F-4D97-AF65-F5344CB8AC3E}">
+        <p14:creationId xmlns:p14="http://schemas.microsoft.com/office/powerpoint/2010/main" val="9787228"/>
+      </p:ext>
+    </p:extLst>
+  </p:cSld>
+  <p:clrMapOvr>
+    <a:masterClrMapping/>
+  </p:clrMapOvr>
+</p:sld>
+</file>
+
+<file path=ppt/slides/slide7.xml><?xml version="1.0" encoding="utf-8"?>
+<p:sld xmlns:a="http://schemas.openxmlformats.org/drawingml/2006/main" xmlns:r="http://schemas.openxmlformats.org/officeDocument/2006/relationships" xmlns:p="http://schemas.openxmlformats.org/presentationml/2006/main">
+  <p:cSld>
+    <p:spTree>
+      <p:nvGrpSpPr>
+        <p:cNvPr id="1" name=""/>
+        <p:cNvGrpSpPr/>
+        <p:nvPr/>
+      </p:nvGrpSpPr>
+      <p:grpSpPr>
+        <a:xfrm>
+          <a:off x="0" y="0"/>
+          <a:ext cx="0" cy="0"/>
+          <a:chOff x="0" y="0"/>
+          <a:chExt cx="0" cy="0"/>
+        </a:xfrm>
+      </p:grpSpPr>
+      <p:sp>
+        <p:nvSpPr>
+          <p:cNvPr id="2" name="Title 1"/>
+          <p:cNvSpPr>
+            <a:spLocks noGrp="1"/>
+          </p:cNvSpPr>
+          <p:nvPr>
+            <p:ph type="title"/>
+          </p:nvPr>
+        </p:nvSpPr>
+        <p:spPr/>
+        <p:txBody>
+          <a:bodyPr/>
+          <a:lstStyle/>
+          <a:p>
+            <a:r>
+              <a:rPr lang="en-US" dirty="0" smtClean="0"/>
               <a:t>Project budget</a:t>
             </a:r>
             <a:endParaRPr lang="en-US" dirty="0"/>
@@ -12958,107 +13119,6 @@
 </p:sld>
 </file>
 
-<file path=ppt/slides/slide7.xml><?xml version="1.0" encoding="utf-8"?>
-<p:sld xmlns:a="http://schemas.openxmlformats.org/drawingml/2006/main" xmlns:r="http://schemas.openxmlformats.org/officeDocument/2006/relationships" xmlns:p="http://schemas.openxmlformats.org/presentationml/2006/main">
-  <p:cSld>
-    <p:spTree>
-      <p:nvGrpSpPr>
-        <p:cNvPr id="1" name=""/>
-        <p:cNvGrpSpPr/>
-        <p:nvPr/>
-      </p:nvGrpSpPr>
-      <p:grpSpPr>
-        <a:xfrm>
-          <a:off x="0" y="0"/>
-          <a:ext cx="0" cy="0"/>
-          <a:chOff x="0" y="0"/>
-          <a:chExt cx="0" cy="0"/>
-        </a:xfrm>
-      </p:grpSpPr>
-      <p:sp>
-        <p:nvSpPr>
-          <p:cNvPr id="2" name="Title 1"/>
-          <p:cNvSpPr>
-            <a:spLocks noGrp="1"/>
-          </p:cNvSpPr>
-          <p:nvPr>
-            <p:ph type="title"/>
-          </p:nvPr>
-        </p:nvSpPr>
-        <p:spPr/>
-        <p:txBody>
-          <a:bodyPr/>
-          <a:lstStyle/>
-          <a:p>
-            <a:r>
-              <a:rPr lang="en-US" dirty="0" smtClean="0"/>
-              <a:t>Progress</a:t>
-            </a:r>
-            <a:endParaRPr lang="en-US" dirty="0"/>
-          </a:p>
-        </p:txBody>
-      </p:sp>
-      <p:sp>
-        <p:nvSpPr>
-          <p:cNvPr id="3" name="Content Placeholder 2"/>
-          <p:cNvSpPr>
-            <a:spLocks noGrp="1"/>
-          </p:cNvSpPr>
-          <p:nvPr>
-            <p:ph idx="1"/>
-          </p:nvPr>
-        </p:nvSpPr>
-        <p:spPr/>
-        <p:txBody>
-          <a:bodyPr/>
-          <a:lstStyle/>
-          <a:p>
-            <a:r>
-              <a:rPr lang="en-US" dirty="0" smtClean="0"/>
-              <a:t>Schedule is almost always followed on time.</a:t>
-            </a:r>
-          </a:p>
-          <a:p>
-            <a:r>
-              <a:rPr lang="en-US" dirty="0" smtClean="0"/>
-              <a:t>Current progress was able to run a simple </a:t>
-            </a:r>
-            <a:r>
-              <a:rPr lang="en-US" dirty="0" err="1" smtClean="0"/>
-              <a:t>blinky</a:t>
-            </a:r>
-            <a:r>
-              <a:rPr lang="en-US" dirty="0" smtClean="0"/>
-              <a:t> program into my development flat-form to show that the PLC set is connected and possibly working.</a:t>
-            </a:r>
-          </a:p>
-          <a:p>
-            <a:r>
-              <a:rPr lang="en-US" dirty="0" smtClean="0"/>
-              <a:t>Hardware enclosure not finalized.</a:t>
-            </a:r>
-          </a:p>
-          <a:p>
-            <a:pPr marL="0" indent="0">
-              <a:buNone/>
-            </a:pPr>
-            <a:endParaRPr lang="en-US" dirty="0"/>
-          </a:p>
-        </p:txBody>
-      </p:sp>
-    </p:spTree>
-    <p:extLst>
-      <p:ext uri="{BB962C8B-B14F-4D97-AF65-F5344CB8AC3E}">
-        <p14:creationId xmlns:p14="http://schemas.microsoft.com/office/powerpoint/2010/main" val="2150710011"/>
-      </p:ext>
-    </p:extLst>
-  </p:cSld>
-  <p:clrMapOvr>
-    <a:masterClrMapping/>
-  </p:clrMapOvr>
-</p:sld>
-</file>
-
 <file path=ppt/slides/slide8.xml><?xml version="1.0" encoding="utf-8"?>
 <p:sld xmlns:a="http://schemas.openxmlformats.org/drawingml/2006/main" xmlns:r="http://schemas.openxmlformats.org/officeDocument/2006/relationships" xmlns:p="http://schemas.openxmlformats.org/presentationml/2006/main">
   <p:cSld>
@@ -13093,11 +13153,7 @@
           <a:p>
             <a:r>
               <a:rPr lang="en-US" dirty="0" smtClean="0"/>
-              <a:t>Course knowledge from previous </a:t>
-            </a:r>
-            <a:r>
-              <a:rPr lang="en-US" dirty="0" err="1" smtClean="0"/>
-              <a:t>cources</a:t>
+              <a:t>Progress</a:t>
             </a:r>
             <a:endParaRPr lang="en-US" dirty="0"/>
           </a:p>
@@ -13120,22 +13176,33 @@
           <a:p>
             <a:r>
               <a:rPr lang="en-US" dirty="0" smtClean="0"/>
-              <a:t>Embedded Systems</a:t>
+              <a:t>Schedule is almost always followed on time.</a:t>
             </a:r>
           </a:p>
           <a:p>
             <a:r>
               <a:rPr lang="en-US" dirty="0" smtClean="0"/>
-              <a:t>Technical C</a:t>
+              <a:t>Current progress was able to run a simple </a:t>
             </a:r>
-          </a:p>
-          <a:p>
+            <a:r>
+              <a:rPr lang="en-US" dirty="0" err="1" smtClean="0"/>
+              <a:t>blinky</a:t>
+            </a:r>
             <a:r>
               <a:rPr lang="en-US" dirty="0" smtClean="0"/>
-              <a:t>Intro to Software Engineering</a:t>
+              <a:t> program into my development flat-form to show that the PLC set is connected and possibly working.</a:t>
             </a:r>
           </a:p>
           <a:p>
+            <a:r>
+              <a:rPr lang="en-US" dirty="0" smtClean="0"/>
+              <a:t>Hardware enclosure not finalized.</a:t>
+            </a:r>
+          </a:p>
+          <a:p>
+            <a:pPr marL="0" indent="0">
+              <a:buNone/>
+            </a:pPr>
             <a:endParaRPr lang="en-US" dirty="0"/>
           </a:p>
         </p:txBody>
@@ -13143,7 +13210,7 @@
     </p:spTree>
     <p:extLst>
       <p:ext uri="{BB962C8B-B14F-4D97-AF65-F5344CB8AC3E}">
-        <p14:creationId xmlns:p14="http://schemas.microsoft.com/office/powerpoint/2010/main" val="3846986395"/>
+        <p14:creationId xmlns:p14="http://schemas.microsoft.com/office/powerpoint/2010/main" val="2150710011"/>
       </p:ext>
     </p:extLst>
   </p:cSld>
@@ -13187,7 +13254,11 @@
           <a:p>
             <a:r>
               <a:rPr lang="en-US" dirty="0" smtClean="0"/>
-              <a:t>Project link</a:t>
+              <a:t>Course knowledge from previous </a:t>
+            </a:r>
+            <a:r>
+              <a:rPr lang="en-US" dirty="0" err="1" smtClean="0"/>
+              <a:t>cources</a:t>
             </a:r>
             <a:endParaRPr lang="en-US" dirty="0"/>
           </a:p>
@@ -13195,12 +13266,12 @@
       </p:sp>
       <p:sp>
         <p:nvSpPr>
-          <p:cNvPr id="3" name="Text Placeholder 2"/>
+          <p:cNvPr id="3" name="Content Placeholder 2"/>
           <p:cNvSpPr>
             <a:spLocks noGrp="1"/>
           </p:cNvSpPr>
           <p:nvPr>
-            <p:ph type="body" idx="1"/>
+            <p:ph idx="1"/>
           </p:nvPr>
         </p:nvSpPr>
         <p:spPr/>
@@ -13209,11 +13280,23 @@
           <a:lstStyle/>
           <a:p>
             <a:r>
-              <a:rPr lang="en-US" dirty="0">
-                <a:hlinkClick r:id="rId2"/>
-              </a:rPr>
-              <a:t>https://github.com/junedacaya/L-wingSolarPanelInteractiveDisplay</a:t>
+              <a:rPr lang="en-US" dirty="0" smtClean="0"/>
+              <a:t>Embedded Systems</a:t>
             </a:r>
+          </a:p>
+          <a:p>
+            <a:r>
+              <a:rPr lang="en-US" dirty="0" smtClean="0"/>
+              <a:t>Technical C</a:t>
+            </a:r>
+          </a:p>
+          <a:p>
+            <a:r>
+              <a:rPr lang="en-US" dirty="0" smtClean="0"/>
+              <a:t>Intro to Software Engineering</a:t>
+            </a:r>
+          </a:p>
+          <a:p>
             <a:endParaRPr lang="en-US" dirty="0"/>
           </a:p>
         </p:txBody>
@@ -13221,7 +13304,7 @@
     </p:spTree>
     <p:extLst>
       <p:ext uri="{BB962C8B-B14F-4D97-AF65-F5344CB8AC3E}">
-        <p14:creationId xmlns:p14="http://schemas.microsoft.com/office/powerpoint/2010/main" val="2144068373"/>
+        <p14:creationId xmlns:p14="http://schemas.microsoft.com/office/powerpoint/2010/main" val="3846986395"/>
       </p:ext>
     </p:extLst>
   </p:cSld>

--- a/Documentation/Solar controller.pptx
+++ b/Documentation/Solar controller.pptx
@@ -5603,13 +5603,20 @@
           <a:p>
             <a:r>
               <a:rPr lang="en-US" dirty="0" smtClean="0"/>
-              <a:t>Apply and develop PLC functionalities </a:t>
-            </a:r>
-            <a:r>
-              <a:rPr lang="en-US" smtClean="0"/>
-              <a:t>and concept</a:t>
-            </a:r>
-            <a:endParaRPr lang="en-US" dirty="0" smtClean="0"/>
+              <a:t>Apply and develop </a:t>
+            </a:r>
+            <a:r>
+              <a:rPr lang="en-US" dirty="0" smtClean="0"/>
+              <a:t>Programmable </a:t>
+            </a:r>
+            <a:r>
+              <a:rPr lang="en-US" smtClean="0"/>
+              <a:t>Logic Controller </a:t>
+            </a:r>
+            <a:r>
+              <a:rPr lang="en-US" dirty="0" smtClean="0"/>
+              <a:t>functionalities and concept</a:t>
+            </a:r>
           </a:p>
         </p:txBody>
       </p:sp>
@@ -5862,15 +5869,7 @@
           <a:p>
             <a:r>
               <a:rPr lang="en-US" dirty="0" smtClean="0"/>
-              <a:t>PLC01a1	   | 	   </a:t>
-            </a:r>
-            <a:r>
-              <a:rPr lang="en-US" dirty="0" smtClean="0"/>
-              <a:t>out01a1       </a:t>
-            </a:r>
-            <a:r>
-              <a:rPr lang="en-US" dirty="0" smtClean="0"/>
-              <a:t>|</a:t>
+              <a:t>PLC01a1	   | 	   out01a1       |</a:t>
             </a:r>
             <a:r>
               <a:rPr lang="en-US" dirty="0"/>
@@ -6008,7 +6007,11 @@
           <a:p>
             <a:r>
               <a:rPr lang="en-US" dirty="0" smtClean="0"/>
-              <a:t>Hardware assembled</a:t>
+              <a:t>Hardware </a:t>
+            </a:r>
+            <a:r>
+              <a:rPr lang="en-US" dirty="0" smtClean="0"/>
+              <a:t>assembly</a:t>
             </a:r>
             <a:endParaRPr lang="en-US" dirty="0"/>
           </a:p>
@@ -6304,8 +6307,8 @@
               <a:t>Course knowledge from previous </a:t>
             </a:r>
             <a:r>
-              <a:rPr lang="en-US" dirty="0" err="1" smtClean="0"/>
-              <a:t>cources</a:t>
+              <a:rPr lang="en-US" dirty="0" smtClean="0"/>
+              <a:t>courses</a:t>
             </a:r>
             <a:endParaRPr lang="en-US" dirty="0"/>
           </a:p>
@@ -6334,8 +6337,13 @@
           <a:p>
             <a:r>
               <a:rPr lang="en-US" dirty="0" smtClean="0"/>
-              <a:t>Technical C</a:t>
-            </a:r>
+              <a:t>Technical </a:t>
+            </a:r>
+            <a:r>
+              <a:rPr lang="en-US" dirty="0" smtClean="0"/>
+              <a:t>C</a:t>
+            </a:r>
+            <a:endParaRPr lang="en-US" dirty="0" smtClean="0"/>
           </a:p>
           <a:p>
             <a:r>

--- a/Documentation/Solar controller.pptx
+++ b/Documentation/Solar controller.pptx
@@ -5603,11 +5603,7 @@
           <a:p>
             <a:r>
               <a:rPr lang="en-US" dirty="0" smtClean="0"/>
-              <a:t>Apply and develop </a:t>
-            </a:r>
-            <a:r>
-              <a:rPr lang="en-US" dirty="0" smtClean="0"/>
-              <a:t>Programmable </a:t>
+              <a:t>Apply and develop Programmable </a:t>
             </a:r>
             <a:r>
               <a:rPr lang="en-US" smtClean="0"/>
@@ -6007,11 +6003,7 @@
           <a:p>
             <a:r>
               <a:rPr lang="en-US" dirty="0" smtClean="0"/>
-              <a:t>Hardware </a:t>
-            </a:r>
-            <a:r>
-              <a:rPr lang="en-US" dirty="0" smtClean="0"/>
-              <a:t>assembly</a:t>
+              <a:t>Hardware assembly</a:t>
             </a:r>
             <a:endParaRPr lang="en-US" dirty="0"/>
           </a:p>
@@ -6304,11 +6296,7 @@
           <a:p>
             <a:r>
               <a:rPr lang="en-US" dirty="0" smtClean="0"/>
-              <a:t>Course knowledge from previous </a:t>
-            </a:r>
-            <a:r>
-              <a:rPr lang="en-US" dirty="0" smtClean="0"/>
-              <a:t>courses</a:t>
+              <a:t>Course knowledge from previous courses</a:t>
             </a:r>
             <a:endParaRPr lang="en-US" dirty="0"/>
           </a:p>
@@ -6337,19 +6325,25 @@
           <a:p>
             <a:r>
               <a:rPr lang="en-US" dirty="0" smtClean="0"/>
-              <a:t>Technical </a:t>
-            </a:r>
+              <a:t>Technical C</a:t>
+            </a:r>
+          </a:p>
+          <a:p>
             <a:r>
               <a:rPr lang="en-US" dirty="0" smtClean="0"/>
-              <a:t>C</a:t>
+              <a:t>Intro to Software </a:t>
+            </a:r>
+            <a:r>
+              <a:rPr lang="en-US" dirty="0" smtClean="0"/>
+              <a:t>Engineering</a:t>
+            </a:r>
+          </a:p>
+          <a:p>
+            <a:r>
+              <a:rPr lang="en-US" dirty="0" smtClean="0"/>
+              <a:t>Electronic Circuits</a:t>
             </a:r>
             <a:endParaRPr lang="en-US" dirty="0" smtClean="0"/>
-          </a:p>
-          <a:p>
-            <a:r>
-              <a:rPr lang="en-US" dirty="0" smtClean="0"/>
-              <a:t>Intro to Software Engineering</a:t>
-            </a:r>
           </a:p>
           <a:p>
             <a:endParaRPr lang="en-US" dirty="0"/>

--- a/Documentation/Solar controller.pptx
+++ b/Documentation/Solar controller.pptx
@@ -6232,7 +6232,15 @@
             </a:r>
             <a:r>
               <a:rPr lang="en-US" dirty="0" smtClean="0"/>
-              <a:t> program into my development flat-form to show that the PLC set is connected and possibly working.</a:t>
+              <a:t> program into my development flat-form to show that the PLC set is connected and </a:t>
+            </a:r>
+            <a:r>
+              <a:rPr lang="en-US" dirty="0" smtClean="0"/>
+              <a:t>working</a:t>
+            </a:r>
+            <a:r>
+              <a:rPr lang="en-US" dirty="0" smtClean="0"/>
+              <a:t>.</a:t>
             </a:r>
           </a:p>
           <a:p>
@@ -6331,11 +6339,7 @@
           <a:p>
             <a:r>
               <a:rPr lang="en-US" dirty="0" smtClean="0"/>
-              <a:t>Intro to Software </a:t>
-            </a:r>
-            <a:r>
-              <a:rPr lang="en-US" dirty="0" smtClean="0"/>
-              <a:t>Engineering</a:t>
+              <a:t>Intro to Software Engineering</a:t>
             </a:r>
           </a:p>
           <a:p>
@@ -6343,7 +6347,6 @@
               <a:rPr lang="en-US" dirty="0" smtClean="0"/>
               <a:t>Electronic Circuits</a:t>
             </a:r>
-            <a:endParaRPr lang="en-US" dirty="0" smtClean="0"/>
           </a:p>
           <a:p>
             <a:endParaRPr lang="en-US" dirty="0"/>
